--- a/PROJECT_RE_UI배치도.pptx
+++ b/PROJECT_RE_UI배치도.pptx
@@ -7476,97 +7476,13 @@
                     <a:schemeClr val="tx1"/>
                   </a:solidFill>
                 </a:rPr>
-                <a:t>시간 표시</a:t>
+                <a:t>게임 시간 표시</a:t>
               </a:r>
               <a:endParaRPr lang="ko-KR" altLang="en-US">
                 <a:solidFill>
                   <a:schemeClr val="tx1"/>
                 </a:solidFill>
               </a:endParaRPr>
-            </a:p>
-          </p:txBody>
-        </p:sp>
-        <p:sp>
-          <p:nvSpPr>
-            <p:cNvPr id="5" name="이등변 삼각형 4"/>
-            <p:cNvSpPr/>
-            <p:nvPr/>
-          </p:nvSpPr>
-          <p:spPr>
-            <a:xfrm>
-              <a:off x="5484146" y="5492749"/>
-              <a:ext cx="1136854" cy="911532"/>
-            </a:xfrm>
-            <a:prstGeom prst="triangle">
-              <a:avLst>
-                <a:gd name="adj" fmla="val 50000"/>
-              </a:avLst>
-            </a:prstGeom>
-            <a:noFill/>
-            <a:ln>
-              <a:solidFill>
-                <a:schemeClr val="dk1"/>
-              </a:solidFill>
-            </a:ln>
-          </p:spPr>
-          <p:style>
-            <a:lnRef idx="2">
-              <a:schemeClr val="accent1">
-                <a:shade val="20000"/>
-              </a:schemeClr>
-            </a:lnRef>
-            <a:fillRef idx="1">
-              <a:schemeClr val="accent1"/>
-            </a:fillRef>
-            <a:effectRef idx="0">
-              <a:schemeClr val="accent1"/>
-            </a:effectRef>
-            <a:fontRef idx="minor">
-              <a:schemeClr val="lt1"/>
-            </a:fontRef>
-          </p:style>
-          <p:txBody>
-            <a:bodyPr anchor="ctr"/>
-            <a:p>
-              <a:pPr lvl="0" algn="ctr">
-                <a:defRPr/>
-              </a:pPr>
-              <a:endParaRPr lang="ko-KR" altLang="en-US">
-                <a:solidFill>
-                  <a:schemeClr val="tx1"/>
-                </a:solidFill>
-              </a:endParaRPr>
-            </a:p>
-          </p:txBody>
-        </p:sp>
-        <p:sp>
-          <p:nvSpPr>
-            <p:cNvPr id="6" name="가로 글상자 5"/>
-            <p:cNvSpPr txBox="1"/>
-            <p:nvPr/>
-          </p:nvSpPr>
-          <p:spPr>
-            <a:xfrm>
-              <a:off x="5714387" y="5763710"/>
-              <a:ext cx="681290" cy="640571"/>
-            </a:xfrm>
-            <a:prstGeom prst="rect">
-              <a:avLst/>
-            </a:prstGeom>
-          </p:spPr>
-          <p:txBody>
-            <a:bodyPr wrap="square">
-              <a:spAutoFit/>
-            </a:bodyPr>
-            <a:p>
-              <a:pPr lvl="0" algn="ctr">
-                <a:defRPr/>
-              </a:pPr>
-              <a:r>
-                <a:rPr lang="ko-KR" altLang="en-US"/>
-                <a:t>건물 생성</a:t>
-              </a:r>
-              <a:endParaRPr lang="ko-KR" altLang="en-US"/>
             </a:p>
           </p:txBody>
         </p:sp>
@@ -7845,269 +7761,748 @@
             </a:p>
           </p:txBody>
         </p:sp>
-        <p:sp>
-          <p:nvSpPr>
-            <p:cNvPr id="15" name="이등변 삼각형 14"/>
-            <p:cNvSpPr/>
-            <p:nvPr/>
-          </p:nvSpPr>
-          <p:spPr>
-            <a:xfrm>
-              <a:off x="10042790" y="5492749"/>
-              <a:ext cx="1136854" cy="911532"/>
-            </a:xfrm>
-            <a:prstGeom prst="triangle">
-              <a:avLst>
-                <a:gd name="adj" fmla="val 50000"/>
-              </a:avLst>
-            </a:prstGeom>
-            <a:noFill/>
-            <a:ln>
-              <a:solidFill>
-                <a:schemeClr val="dk1"/>
-              </a:solidFill>
-            </a:ln>
-          </p:spPr>
-          <p:style>
-            <a:lnRef idx="2">
-              <a:schemeClr val="accent1">
-                <a:shade val="20000"/>
-              </a:schemeClr>
-            </a:lnRef>
-            <a:fillRef idx="1">
-              <a:schemeClr val="accent1"/>
-            </a:fillRef>
-            <a:effectRef idx="0">
-              <a:schemeClr val="accent1"/>
-            </a:effectRef>
-            <a:fontRef idx="minor">
-              <a:schemeClr val="lt1"/>
-            </a:fontRef>
-          </p:style>
-          <p:txBody>
-            <a:bodyPr anchor="ctr"/>
-            <a:p>
-              <a:pPr lvl="0" algn="ctr">
-                <a:defRPr/>
-              </a:pPr>
-              <a:endParaRPr lang="ko-KR" altLang="en-US">
+      </p:grpSp>
+      <p:sp>
+        <p:nvSpPr>
+          <p:cNvPr id="28" name="직사각형 27"/>
+          <p:cNvSpPr/>
+          <p:nvPr/>
+        </p:nvSpPr>
+        <p:spPr>
+          <a:xfrm>
+            <a:off x="534627" y="4786056"/>
+            <a:ext cx="1321211" cy="491613"/>
+          </a:xfrm>
+          <a:prstGeom prst="rect">
+            <a:avLst/>
+          </a:prstGeom>
+          <a:noFill/>
+          <a:ln>
+            <a:solidFill>
+              <a:schemeClr val="dk1"/>
+            </a:solidFill>
+          </a:ln>
+        </p:spPr>
+        <p:style>
+          <a:lnRef idx="2">
+            <a:schemeClr val="accent1">
+              <a:shade val="20000"/>
+            </a:schemeClr>
+          </a:lnRef>
+          <a:fillRef idx="1">
+            <a:schemeClr val="accent1"/>
+          </a:fillRef>
+          <a:effectRef idx="0">
+            <a:schemeClr val="accent1"/>
+          </a:effectRef>
+          <a:fontRef idx="minor">
+            <a:schemeClr val="lt1"/>
+          </a:fontRef>
+        </p:style>
+        <p:txBody>
+          <a:bodyPr anchor="ctr"/>
+          <a:p>
+            <a:pPr lvl="0" algn="ctr">
+              <a:defRPr/>
+            </a:pPr>
+            <a:r>
+              <a:rPr lang="en-US" altLang="ko-KR">
                 <a:solidFill>
                   <a:schemeClr val="tx1"/>
                 </a:solidFill>
-              </a:endParaRPr>
-            </a:p>
-          </p:txBody>
-        </p:sp>
-        <p:sp>
-          <p:nvSpPr>
-            <p:cNvPr id="16" name="가로 글상자 15"/>
-            <p:cNvSpPr txBox="1"/>
-            <p:nvPr/>
-          </p:nvSpPr>
-          <p:spPr>
-            <a:xfrm>
-              <a:off x="9839775" y="5948515"/>
-              <a:ext cx="1542886" cy="364655"/>
-            </a:xfrm>
-            <a:prstGeom prst="rect">
-              <a:avLst/>
-            </a:prstGeom>
-          </p:spPr>
-          <p:txBody>
-            <a:bodyPr wrap="square">
-              <a:spAutoFit/>
-            </a:bodyPr>
-            <a:p>
-              <a:pPr lvl="0" algn="ctr">
-                <a:defRPr/>
-              </a:pPr>
-              <a:r>
-                <a:rPr lang="ko-KR" altLang="en-US"/>
-                <a:t>마을 밖</a:t>
-              </a:r>
-              <a:endParaRPr lang="ko-KR" altLang="en-US"/>
-            </a:p>
-          </p:txBody>
-        </p:sp>
-        <p:sp>
-          <p:nvSpPr>
-            <p:cNvPr id="18" name="이등변 삼각형 17"/>
-            <p:cNvSpPr/>
-            <p:nvPr/>
-          </p:nvSpPr>
-          <p:spPr>
-            <a:xfrm>
-              <a:off x="945944" y="5492749"/>
-              <a:ext cx="1136854" cy="911532"/>
-            </a:xfrm>
-            <a:prstGeom prst="triangle">
-              <a:avLst>
-                <a:gd name="adj" fmla="val 50000"/>
-              </a:avLst>
-            </a:prstGeom>
-            <a:noFill/>
-            <a:ln>
+              </a:rPr>
+              <a:t>HP</a:t>
+            </a:r>
+            <a:endParaRPr lang="en-US" altLang="ko-KR">
               <a:solidFill>
-                <a:schemeClr val="dk1"/>
+                <a:schemeClr val="tx1"/>
               </a:solidFill>
-            </a:ln>
-          </p:spPr>
-          <p:style>
-            <a:lnRef idx="2">
-              <a:schemeClr val="accent1">
-                <a:shade val="20000"/>
-              </a:schemeClr>
-            </a:lnRef>
-            <a:fillRef idx="1">
-              <a:schemeClr val="accent1"/>
-            </a:fillRef>
-            <a:effectRef idx="0">
-              <a:schemeClr val="accent1"/>
-            </a:effectRef>
-            <a:fontRef idx="minor">
-              <a:schemeClr val="lt1"/>
-            </a:fontRef>
-          </p:style>
-          <p:txBody>
-            <a:bodyPr anchor="ctr"/>
-            <a:p>
-              <a:pPr lvl="0" algn="ctr">
-                <a:defRPr/>
-              </a:pPr>
-              <a:endParaRPr lang="ko-KR" altLang="en-US">
+            </a:endParaRPr>
+          </a:p>
+        </p:txBody>
+      </p:sp>
+      <p:sp>
+        <p:nvSpPr>
+          <p:cNvPr id="30" name="직사각형 29"/>
+          <p:cNvSpPr/>
+          <p:nvPr/>
+        </p:nvSpPr>
+        <p:spPr>
+          <a:xfrm>
+            <a:off x="534627" y="5451782"/>
+            <a:ext cx="1321211" cy="491613"/>
+          </a:xfrm>
+          <a:prstGeom prst="rect">
+            <a:avLst/>
+          </a:prstGeom>
+          <a:noFill/>
+          <a:ln>
+            <a:solidFill>
+              <a:schemeClr val="dk1"/>
+            </a:solidFill>
+          </a:ln>
+        </p:spPr>
+        <p:style>
+          <a:lnRef idx="2">
+            <a:schemeClr val="accent1">
+              <a:shade val="20000"/>
+            </a:schemeClr>
+          </a:lnRef>
+          <a:fillRef idx="1">
+            <a:schemeClr val="accent1"/>
+          </a:fillRef>
+          <a:effectRef idx="0">
+            <a:schemeClr val="accent1"/>
+          </a:effectRef>
+          <a:fontRef idx="minor">
+            <a:schemeClr val="lt1"/>
+          </a:fontRef>
+        </p:style>
+        <p:txBody>
+          <a:bodyPr anchor="ctr"/>
+          <a:p>
+            <a:pPr lvl="0" algn="ctr">
+              <a:defRPr/>
+            </a:pPr>
+            <a:r>
+              <a:rPr lang="en-US" altLang="ko-KR">
                 <a:solidFill>
                   <a:schemeClr val="tx1"/>
                 </a:solidFill>
-              </a:endParaRPr>
-            </a:p>
-          </p:txBody>
-        </p:sp>
-        <p:sp>
-          <p:nvSpPr>
-            <p:cNvPr id="19" name="가로 글상자 18"/>
-            <p:cNvSpPr txBox="1"/>
-            <p:nvPr/>
-          </p:nvSpPr>
-          <p:spPr>
-            <a:xfrm>
-              <a:off x="1061065" y="5948515"/>
-              <a:ext cx="906613" cy="364655"/>
-            </a:xfrm>
-            <a:prstGeom prst="rect">
-              <a:avLst/>
-            </a:prstGeom>
-          </p:spPr>
-          <p:txBody>
-            <a:bodyPr wrap="square">
-              <a:spAutoFit/>
-            </a:bodyPr>
-            <a:p>
-              <a:pPr lvl="0" algn="ctr">
-                <a:defRPr/>
-              </a:pPr>
-              <a:r>
-                <a:rPr lang="ko-KR" altLang="en-US"/>
-                <a:t>월드맵</a:t>
-              </a:r>
-              <a:endParaRPr lang="ko-KR" altLang="en-US"/>
-            </a:p>
-          </p:txBody>
-        </p:sp>
-        <p:sp>
-          <p:nvSpPr>
-            <p:cNvPr id="24" name="이등변 삼각형 17"/>
-            <p:cNvSpPr/>
-            <p:nvPr/>
-          </p:nvSpPr>
-          <p:spPr>
-            <a:xfrm>
-              <a:off x="3143864" y="924845"/>
-              <a:ext cx="1136854" cy="911532"/>
-            </a:xfrm>
-            <a:prstGeom prst="triangle">
-              <a:avLst>
-                <a:gd name="adj" fmla="val 50000"/>
-              </a:avLst>
-            </a:prstGeom>
-            <a:noFill/>
-            <a:ln>
+              </a:rPr>
+              <a:t>STAMINA</a:t>
+            </a:r>
+            <a:endParaRPr lang="en-US" altLang="ko-KR">
               <a:solidFill>
-                <a:schemeClr val="dk1"/>
+                <a:schemeClr val="tx1"/>
               </a:solidFill>
-            </a:ln>
-          </p:spPr>
-          <p:style>
-            <a:lnRef idx="2">
-              <a:schemeClr val="accent1">
-                <a:shade val="20000"/>
-              </a:schemeClr>
-            </a:lnRef>
-            <a:fillRef idx="1">
-              <a:schemeClr val="accent1"/>
-            </a:fillRef>
-            <a:effectRef idx="0">
-              <a:schemeClr val="accent1"/>
-            </a:effectRef>
-            <a:fontRef idx="minor">
-              <a:schemeClr val="lt1"/>
-            </a:fontRef>
-          </p:style>
-          <p:txBody>
-            <a:bodyPr anchor="ctr"/>
-            <a:p>
-              <a:pPr lvl="0" algn="ctr">
-                <a:defRPr/>
-              </a:pPr>
-              <a:endParaRPr lang="ko-KR" altLang="en-US">
+            </a:endParaRPr>
+          </a:p>
+        </p:txBody>
+      </p:sp>
+      <p:sp>
+        <p:nvSpPr>
+          <p:cNvPr id="31" name="직사각형 30"/>
+          <p:cNvSpPr/>
+          <p:nvPr/>
+        </p:nvSpPr>
+        <p:spPr>
+          <a:xfrm>
+            <a:off x="534627" y="6127749"/>
+            <a:ext cx="348227" cy="327742"/>
+          </a:xfrm>
+          <a:prstGeom prst="rect">
+            <a:avLst/>
+          </a:prstGeom>
+          <a:noFill/>
+          <a:ln>
+            <a:solidFill>
+              <a:schemeClr val="dk1"/>
+            </a:solidFill>
+          </a:ln>
+        </p:spPr>
+        <p:style>
+          <a:lnRef idx="2">
+            <a:schemeClr val="accent1">
+              <a:shade val="20000"/>
+            </a:schemeClr>
+          </a:lnRef>
+          <a:fillRef idx="1">
+            <a:schemeClr val="accent1"/>
+          </a:fillRef>
+          <a:effectRef idx="0">
+            <a:schemeClr val="accent1"/>
+          </a:effectRef>
+          <a:fontRef idx="minor">
+            <a:schemeClr val="lt1"/>
+          </a:fontRef>
+        </p:style>
+        <p:txBody>
+          <a:bodyPr anchor="ctr"/>
+          <a:p>
+            <a:pPr lvl="0" algn="ctr">
+              <a:defRPr/>
+            </a:pPr>
+            <a:r>
+              <a:rPr lang="en-US" altLang="ko-KR">
                 <a:solidFill>
                   <a:schemeClr val="tx1"/>
                 </a:solidFill>
-              </a:endParaRPr>
-            </a:p>
-          </p:txBody>
-        </p:sp>
-        <p:sp>
-          <p:nvSpPr>
-            <p:cNvPr id="25" name="가로 글상자 18"/>
-            <p:cNvSpPr txBox="1"/>
-            <p:nvPr/>
-          </p:nvSpPr>
-          <p:spPr>
-            <a:xfrm>
-              <a:off x="3351161" y="1226982"/>
-              <a:ext cx="671048" cy="635350"/>
-            </a:xfrm>
-            <a:prstGeom prst="rect">
-              <a:avLst/>
-            </a:prstGeom>
-          </p:spPr>
-          <p:txBody>
-            <a:bodyPr wrap="square">
-              <a:spAutoFit/>
-            </a:bodyPr>
-            <a:p>
-              <a:pPr lvl="0" algn="ctr">
-                <a:defRPr/>
-              </a:pPr>
-              <a:r>
-                <a:rPr lang="ko-KR" altLang="en-US"/>
-                <a:t>인벤</a:t>
-              </a:r>
-              <a:endParaRPr lang="ko-KR" altLang="en-US"/>
-            </a:p>
-            <a:p>
-              <a:pPr lvl="0" algn="ctr">
-                <a:defRPr/>
-              </a:pPr>
-              <a:r>
-                <a:rPr lang="ko-KR" altLang="en-US"/>
-                <a:t>토리</a:t>
-              </a:r>
-              <a:endParaRPr lang="ko-KR" altLang="en-US"/>
-            </a:p>
-          </p:txBody>
-        </p:sp>
-      </p:grpSp>
+              </a:rPr>
+              <a:t>1</a:t>
+            </a:r>
+            <a:endParaRPr lang="en-US" altLang="ko-KR">
+              <a:solidFill>
+                <a:schemeClr val="tx1"/>
+              </a:solidFill>
+            </a:endParaRPr>
+          </a:p>
+        </p:txBody>
+      </p:sp>
+      <p:sp>
+        <p:nvSpPr>
+          <p:cNvPr id="32" name="직사각형 31"/>
+          <p:cNvSpPr/>
+          <p:nvPr/>
+        </p:nvSpPr>
+        <p:spPr>
+          <a:xfrm>
+            <a:off x="1021119" y="6127749"/>
+            <a:ext cx="348227" cy="327742"/>
+          </a:xfrm>
+          <a:prstGeom prst="rect">
+            <a:avLst/>
+          </a:prstGeom>
+          <a:noFill/>
+          <a:ln>
+            <a:solidFill>
+              <a:schemeClr val="dk1"/>
+            </a:solidFill>
+          </a:ln>
+        </p:spPr>
+        <p:style>
+          <a:lnRef idx="2">
+            <a:schemeClr val="accent1">
+              <a:shade val="20000"/>
+            </a:schemeClr>
+          </a:lnRef>
+          <a:fillRef idx="1">
+            <a:schemeClr val="accent1"/>
+          </a:fillRef>
+          <a:effectRef idx="0">
+            <a:schemeClr val="accent1"/>
+          </a:effectRef>
+          <a:fontRef idx="minor">
+            <a:schemeClr val="lt1"/>
+          </a:fontRef>
+        </p:style>
+        <p:txBody>
+          <a:bodyPr anchor="ctr"/>
+          <a:p>
+            <a:pPr lvl="0" algn="ctr">
+              <a:defRPr/>
+            </a:pPr>
+            <a:r>
+              <a:rPr lang="en-US" altLang="ko-KR">
+                <a:solidFill>
+                  <a:schemeClr val="tx1"/>
+                </a:solidFill>
+              </a:rPr>
+              <a:t>2</a:t>
+            </a:r>
+            <a:endParaRPr lang="en-US" altLang="ko-KR">
+              <a:solidFill>
+                <a:schemeClr val="tx1"/>
+              </a:solidFill>
+            </a:endParaRPr>
+          </a:p>
+        </p:txBody>
+      </p:sp>
+      <p:sp>
+        <p:nvSpPr>
+          <p:cNvPr id="33" name="직사각형 32"/>
+          <p:cNvSpPr/>
+          <p:nvPr/>
+        </p:nvSpPr>
+        <p:spPr>
+          <a:xfrm>
+            <a:off x="1507611" y="6127749"/>
+            <a:ext cx="348227" cy="327742"/>
+          </a:xfrm>
+          <a:prstGeom prst="rect">
+            <a:avLst/>
+          </a:prstGeom>
+          <a:noFill/>
+          <a:ln>
+            <a:solidFill>
+              <a:schemeClr val="dk1"/>
+            </a:solidFill>
+          </a:ln>
+        </p:spPr>
+        <p:style>
+          <a:lnRef idx="2">
+            <a:schemeClr val="accent1">
+              <a:shade val="20000"/>
+            </a:schemeClr>
+          </a:lnRef>
+          <a:fillRef idx="1">
+            <a:schemeClr val="accent1"/>
+          </a:fillRef>
+          <a:effectRef idx="0">
+            <a:schemeClr val="accent1"/>
+          </a:effectRef>
+          <a:fontRef idx="minor">
+            <a:schemeClr val="lt1"/>
+          </a:fontRef>
+        </p:style>
+        <p:txBody>
+          <a:bodyPr anchor="ctr"/>
+          <a:p>
+            <a:pPr lvl="0" algn="ctr">
+              <a:defRPr/>
+            </a:pPr>
+            <a:r>
+              <a:rPr lang="en-US" altLang="ko-KR">
+                <a:solidFill>
+                  <a:schemeClr val="tx1"/>
+                </a:solidFill>
+              </a:rPr>
+              <a:t>3</a:t>
+            </a:r>
+            <a:endParaRPr lang="en-US" altLang="ko-KR">
+              <a:solidFill>
+                <a:schemeClr val="tx1"/>
+              </a:solidFill>
+            </a:endParaRPr>
+          </a:p>
+        </p:txBody>
+      </p:sp>
+      <p:sp>
+        <p:nvSpPr>
+          <p:cNvPr id="34" name="직사각형 33"/>
+          <p:cNvSpPr/>
+          <p:nvPr/>
+        </p:nvSpPr>
+        <p:spPr>
+          <a:xfrm>
+            <a:off x="1994103" y="6127749"/>
+            <a:ext cx="348227" cy="327742"/>
+          </a:xfrm>
+          <a:prstGeom prst="rect">
+            <a:avLst/>
+          </a:prstGeom>
+          <a:noFill/>
+          <a:ln>
+            <a:solidFill>
+              <a:schemeClr val="dk1"/>
+            </a:solidFill>
+          </a:ln>
+        </p:spPr>
+        <p:style>
+          <a:lnRef idx="2">
+            <a:schemeClr val="accent1">
+              <a:shade val="20000"/>
+            </a:schemeClr>
+          </a:lnRef>
+          <a:fillRef idx="1">
+            <a:schemeClr val="accent1"/>
+          </a:fillRef>
+          <a:effectRef idx="0">
+            <a:schemeClr val="accent1"/>
+          </a:effectRef>
+          <a:fontRef idx="minor">
+            <a:schemeClr val="lt1"/>
+          </a:fontRef>
+        </p:style>
+        <p:txBody>
+          <a:bodyPr anchor="ctr"/>
+          <a:p>
+            <a:pPr lvl="0" algn="ctr">
+              <a:defRPr/>
+            </a:pPr>
+            <a:r>
+              <a:rPr lang="en-US" altLang="ko-KR">
+                <a:solidFill>
+                  <a:schemeClr val="tx1"/>
+                </a:solidFill>
+              </a:rPr>
+              <a:t>4</a:t>
+            </a:r>
+            <a:endParaRPr lang="en-US" altLang="ko-KR">
+              <a:solidFill>
+                <a:schemeClr val="tx1"/>
+              </a:solidFill>
+            </a:endParaRPr>
+          </a:p>
+        </p:txBody>
+      </p:sp>
+      <p:sp>
+        <p:nvSpPr>
+          <p:cNvPr id="35" name="직사각형 34"/>
+          <p:cNvSpPr/>
+          <p:nvPr/>
+        </p:nvSpPr>
+        <p:spPr>
+          <a:xfrm>
+            <a:off x="2532008" y="6127749"/>
+            <a:ext cx="348227" cy="327742"/>
+          </a:xfrm>
+          <a:prstGeom prst="rect">
+            <a:avLst/>
+          </a:prstGeom>
+          <a:noFill/>
+          <a:ln>
+            <a:solidFill>
+              <a:schemeClr val="dk1"/>
+            </a:solidFill>
+          </a:ln>
+        </p:spPr>
+        <p:style>
+          <a:lnRef idx="2">
+            <a:schemeClr val="accent1">
+              <a:shade val="20000"/>
+            </a:schemeClr>
+          </a:lnRef>
+          <a:fillRef idx="1">
+            <a:schemeClr val="accent1"/>
+          </a:fillRef>
+          <a:effectRef idx="0">
+            <a:schemeClr val="accent1"/>
+          </a:effectRef>
+          <a:fontRef idx="minor">
+            <a:schemeClr val="lt1"/>
+          </a:fontRef>
+        </p:style>
+        <p:txBody>
+          <a:bodyPr anchor="ctr"/>
+          <a:p>
+            <a:pPr lvl="0" algn="ctr">
+              <a:defRPr/>
+            </a:pPr>
+            <a:r>
+              <a:rPr lang="en-US" altLang="ko-KR">
+                <a:solidFill>
+                  <a:schemeClr val="tx1"/>
+                </a:solidFill>
+              </a:rPr>
+              <a:t>5</a:t>
+            </a:r>
+            <a:endParaRPr lang="en-US" altLang="ko-KR">
+              <a:solidFill>
+                <a:schemeClr val="tx1"/>
+              </a:solidFill>
+            </a:endParaRPr>
+          </a:p>
+        </p:txBody>
+      </p:sp>
+      <p:sp>
+        <p:nvSpPr>
+          <p:cNvPr id="36" name="직사각형 35"/>
+          <p:cNvSpPr/>
+          <p:nvPr/>
+        </p:nvSpPr>
+        <p:spPr>
+          <a:xfrm>
+            <a:off x="3018500" y="6127749"/>
+            <a:ext cx="348227" cy="327742"/>
+          </a:xfrm>
+          <a:prstGeom prst="rect">
+            <a:avLst/>
+          </a:prstGeom>
+          <a:noFill/>
+          <a:ln>
+            <a:solidFill>
+              <a:schemeClr val="dk1"/>
+            </a:solidFill>
+          </a:ln>
+        </p:spPr>
+        <p:style>
+          <a:lnRef idx="2">
+            <a:schemeClr val="accent1">
+              <a:shade val="20000"/>
+            </a:schemeClr>
+          </a:lnRef>
+          <a:fillRef idx="1">
+            <a:schemeClr val="accent1"/>
+          </a:fillRef>
+          <a:effectRef idx="0">
+            <a:schemeClr val="accent1"/>
+          </a:effectRef>
+          <a:fontRef idx="minor">
+            <a:schemeClr val="lt1"/>
+          </a:fontRef>
+        </p:style>
+        <p:txBody>
+          <a:bodyPr anchor="ctr"/>
+          <a:p>
+            <a:pPr lvl="0" algn="ctr">
+              <a:defRPr/>
+            </a:pPr>
+            <a:r>
+              <a:rPr lang="en-US" altLang="ko-KR">
+                <a:solidFill>
+                  <a:schemeClr val="tx1"/>
+                </a:solidFill>
+              </a:rPr>
+              <a:t>6</a:t>
+            </a:r>
+            <a:endParaRPr lang="en-US" altLang="ko-KR">
+              <a:solidFill>
+                <a:schemeClr val="tx1"/>
+              </a:solidFill>
+            </a:endParaRPr>
+          </a:p>
+        </p:txBody>
+      </p:sp>
+      <p:sp>
+        <p:nvSpPr>
+          <p:cNvPr id="37" name="직사각형 36"/>
+          <p:cNvSpPr/>
+          <p:nvPr/>
+        </p:nvSpPr>
+        <p:spPr>
+          <a:xfrm>
+            <a:off x="3504992" y="6127749"/>
+            <a:ext cx="348227" cy="327742"/>
+          </a:xfrm>
+          <a:prstGeom prst="rect">
+            <a:avLst/>
+          </a:prstGeom>
+          <a:noFill/>
+          <a:ln>
+            <a:solidFill>
+              <a:schemeClr val="dk1"/>
+            </a:solidFill>
+          </a:ln>
+        </p:spPr>
+        <p:style>
+          <a:lnRef idx="2">
+            <a:schemeClr val="accent1">
+              <a:shade val="20000"/>
+            </a:schemeClr>
+          </a:lnRef>
+          <a:fillRef idx="1">
+            <a:schemeClr val="accent1"/>
+          </a:fillRef>
+          <a:effectRef idx="0">
+            <a:schemeClr val="accent1"/>
+          </a:effectRef>
+          <a:fontRef idx="minor">
+            <a:schemeClr val="lt1"/>
+          </a:fontRef>
+        </p:style>
+        <p:txBody>
+          <a:bodyPr anchor="ctr"/>
+          <a:p>
+            <a:pPr lvl="0" algn="ctr">
+              <a:defRPr/>
+            </a:pPr>
+            <a:r>
+              <a:rPr lang="en-US" altLang="ko-KR">
+                <a:solidFill>
+                  <a:schemeClr val="tx1"/>
+                </a:solidFill>
+              </a:rPr>
+              <a:t>7</a:t>
+            </a:r>
+            <a:endParaRPr lang="en-US" altLang="ko-KR">
+              <a:solidFill>
+                <a:schemeClr val="tx1"/>
+              </a:solidFill>
+            </a:endParaRPr>
+          </a:p>
+        </p:txBody>
+      </p:sp>
+      <p:sp>
+        <p:nvSpPr>
+          <p:cNvPr id="38" name="직사각형 37"/>
+          <p:cNvSpPr/>
+          <p:nvPr/>
+        </p:nvSpPr>
+        <p:spPr>
+          <a:xfrm>
+            <a:off x="3991484" y="6127749"/>
+            <a:ext cx="348227" cy="327742"/>
+          </a:xfrm>
+          <a:prstGeom prst="rect">
+            <a:avLst/>
+          </a:prstGeom>
+          <a:noFill/>
+          <a:ln>
+            <a:solidFill>
+              <a:schemeClr val="dk1"/>
+            </a:solidFill>
+          </a:ln>
+        </p:spPr>
+        <p:style>
+          <a:lnRef idx="2">
+            <a:schemeClr val="accent1">
+              <a:shade val="20000"/>
+            </a:schemeClr>
+          </a:lnRef>
+          <a:fillRef idx="1">
+            <a:schemeClr val="accent1"/>
+          </a:fillRef>
+          <a:effectRef idx="0">
+            <a:schemeClr val="accent1"/>
+          </a:effectRef>
+          <a:fontRef idx="minor">
+            <a:schemeClr val="lt1"/>
+          </a:fontRef>
+        </p:style>
+        <p:txBody>
+          <a:bodyPr anchor="ctr"/>
+          <a:p>
+            <a:pPr lvl="0" algn="ctr">
+              <a:defRPr/>
+            </a:pPr>
+            <a:r>
+              <a:rPr lang="en-US" altLang="ko-KR">
+                <a:solidFill>
+                  <a:schemeClr val="tx1"/>
+                </a:solidFill>
+              </a:rPr>
+              <a:t>8</a:t>
+            </a:r>
+            <a:endParaRPr lang="en-US" altLang="ko-KR">
+              <a:solidFill>
+                <a:schemeClr val="tx1"/>
+              </a:solidFill>
+            </a:endParaRPr>
+          </a:p>
+        </p:txBody>
+      </p:sp>
+      <p:sp>
+        <p:nvSpPr>
+          <p:cNvPr id="39" name="이등변 삼각형 38"/>
+          <p:cNvSpPr/>
+          <p:nvPr/>
+        </p:nvSpPr>
+        <p:spPr>
+          <a:xfrm>
+            <a:off x="10243984" y="5451782"/>
+            <a:ext cx="1259758" cy="1003709"/>
+          </a:xfrm>
+          <a:prstGeom prst="triangle">
+            <a:avLst>
+              <a:gd name="adj" fmla="val 50000"/>
+            </a:avLst>
+          </a:prstGeom>
+          <a:noFill/>
+          <a:ln>
+            <a:solidFill>
+              <a:schemeClr val="dk1"/>
+            </a:solidFill>
+          </a:ln>
+        </p:spPr>
+        <p:style>
+          <a:lnRef idx="2">
+            <a:schemeClr val="accent1">
+              <a:shade val="20000"/>
+            </a:schemeClr>
+          </a:lnRef>
+          <a:fillRef idx="1">
+            <a:schemeClr val="accent1"/>
+          </a:fillRef>
+          <a:effectRef idx="0">
+            <a:schemeClr val="accent1"/>
+          </a:effectRef>
+          <a:fontRef idx="minor">
+            <a:schemeClr val="lt1"/>
+          </a:fontRef>
+        </p:style>
+        <p:txBody>
+          <a:bodyPr vert="horz" anchor="ctr"/>
+          <a:p>
+            <a:pPr lvl="0" algn="ctr">
+              <a:defRPr/>
+            </a:pPr>
+            <a:endParaRPr lang="ko-KR" altLang="en-US">
+              <a:solidFill>
+                <a:schemeClr val="tx1"/>
+              </a:solidFill>
+            </a:endParaRPr>
+          </a:p>
+        </p:txBody>
+      </p:sp>
+      <p:sp>
+        <p:nvSpPr>
+          <p:cNvPr id="40" name="가로 글상자 39"/>
+          <p:cNvSpPr txBox="1"/>
+          <p:nvPr/>
+        </p:nvSpPr>
+        <p:spPr>
+          <a:xfrm>
+            <a:off x="10243984" y="6095241"/>
+            <a:ext cx="1300729" cy="360250"/>
+          </a:xfrm>
+          <a:prstGeom prst="rect">
+            <a:avLst/>
+          </a:prstGeom>
+        </p:spPr>
+        <p:txBody>
+          <a:bodyPr wrap="square">
+            <a:spAutoFit/>
+          </a:bodyPr>
+          <a:p>
+            <a:pPr lvl="0">
+              <a:defRPr/>
+            </a:pPr>
+            <a:r>
+              <a:rPr lang="ko-KR" altLang="en-US"/>
+              <a:t>건물 짓기</a:t>
+            </a:r>
+            <a:endParaRPr lang="ko-KR" altLang="en-US"/>
+          </a:p>
+        </p:txBody>
+      </p:sp>
+      <p:sp>
+        <p:nvSpPr>
+          <p:cNvPr id="41" name="직사각형 40"/>
+          <p:cNvSpPr/>
+          <p:nvPr/>
+        </p:nvSpPr>
+        <p:spPr>
+          <a:xfrm>
+            <a:off x="2082799" y="4786056"/>
+            <a:ext cx="2256913" cy="1167581"/>
+          </a:xfrm>
+          <a:prstGeom prst="rect">
+            <a:avLst/>
+          </a:prstGeom>
+          <a:noFill/>
+          <a:ln>
+            <a:solidFill>
+              <a:schemeClr val="dk1"/>
+            </a:solidFill>
+          </a:ln>
+        </p:spPr>
+        <p:style>
+          <a:lnRef idx="2">
+            <a:schemeClr val="accent1">
+              <a:shade val="20000"/>
+            </a:schemeClr>
+          </a:lnRef>
+          <a:fillRef idx="1">
+            <a:schemeClr val="accent1"/>
+          </a:fillRef>
+          <a:effectRef idx="0">
+            <a:schemeClr val="accent1"/>
+          </a:effectRef>
+          <a:fontRef idx="minor">
+            <a:schemeClr val="lt1"/>
+          </a:fontRef>
+        </p:style>
+        <p:txBody>
+          <a:bodyPr anchor="ctr"/>
+          <a:p>
+            <a:pPr lvl="0" algn="ctr">
+              <a:defRPr/>
+            </a:pPr>
+            <a:r>
+              <a:rPr lang="ko-KR" altLang="en-US">
+                <a:solidFill>
+                  <a:schemeClr val="tx1"/>
+                </a:solidFill>
+              </a:rPr>
+              <a:t>장착한 무기 </a:t>
+            </a:r>
+            <a:r>
+              <a:rPr lang="en-US" altLang="ko-KR">
+                <a:solidFill>
+                  <a:schemeClr val="tx1"/>
+                </a:solidFill>
+              </a:rPr>
+              <a:t>UI</a:t>
+            </a:r>
+            <a:endParaRPr lang="en-US" altLang="ko-KR">
+              <a:solidFill>
+                <a:schemeClr val="tx1"/>
+              </a:solidFill>
+            </a:endParaRPr>
+          </a:p>
+        </p:txBody>
+      </p:sp>
     </p:spTree>
     <p:extLst>
       <p:ext uri="{BB962C8B-B14F-4D97-AF65-F5344CB8AC3E}">
@@ -10078,75 +10473,6 @@
             </a:fontRef>
           </p:style>
         </p:cxnSp>
-        <p:cxnSp>
-          <p:nvCxnSpPr>
-            <p:cNvPr id="63" name="꺾인 연결선 62"/>
-            <p:cNvCxnSpPr/>
-            <p:nvPr/>
-          </p:nvCxnSpPr>
-          <p:spPr>
-            <a:xfrm rot="5400000">
-              <a:off x="6060506" y="5159533"/>
-              <a:ext cx="868004" cy="489759"/>
-            </a:xfrm>
-            <a:prstGeom prst="bentConnector3">
-              <a:avLst>
-                <a:gd name="adj1" fmla="val 50000"/>
-              </a:avLst>
-            </a:prstGeom>
-            <a:ln>
-              <a:solidFill>
-                <a:schemeClr val="dk1"/>
-              </a:solidFill>
-              <a:tailEnd type="arrow"/>
-            </a:ln>
-          </p:spPr>
-          <p:style>
-            <a:lnRef idx="1">
-              <a:schemeClr val="accent1"/>
-            </a:lnRef>
-            <a:fillRef idx="0">
-              <a:schemeClr val="accent1"/>
-            </a:fillRef>
-            <a:effectRef idx="0">
-              <a:schemeClr val="accent1"/>
-            </a:effectRef>
-            <a:fontRef idx="minor">
-              <a:schemeClr val="tx1"/>
-            </a:fontRef>
-          </p:style>
-        </p:cxnSp>
-        <p:sp>
-          <p:nvSpPr>
-            <p:cNvPr id="64" name="가로 글상자 63"/>
-            <p:cNvSpPr txBox="1"/>
-            <p:nvPr/>
-          </p:nvSpPr>
-          <p:spPr>
-            <a:xfrm>
-              <a:off x="4693208" y="5930306"/>
-              <a:ext cx="3602602" cy="361315"/>
-            </a:xfrm>
-            <a:prstGeom prst="rect">
-              <a:avLst/>
-            </a:prstGeom>
-          </p:spPr>
-          <p:txBody>
-            <a:bodyPr wrap="square">
-              <a:spAutoFit/>
-            </a:bodyPr>
-            <a:p>
-              <a:pPr lvl="0">
-                <a:defRPr/>
-              </a:pPr>
-              <a:r>
-                <a:rPr lang="ko-KR" altLang="en-US"/>
-                <a:t>병력을 클릭해서 다른 마을로 이동</a:t>
-              </a:r>
-              <a:endParaRPr lang="ko-KR" altLang="en-US"/>
-            </a:p>
-          </p:txBody>
-        </p:sp>
         <p:sp>
           <p:nvSpPr>
             <p:cNvPr id="65" name="포인트가 5개인 별 64"/>
@@ -10378,71 +10704,71 @@
           </a:p>
         </p:txBody>
       </p:sp>
+      <p:sp>
+        <p:nvSpPr>
+          <p:cNvPr id="3" name="직사각형 2"/>
+          <p:cNvSpPr/>
+          <p:nvPr/>
+        </p:nvSpPr>
+        <p:spPr>
+          <a:xfrm>
+            <a:off x="299064" y="791701"/>
+            <a:ext cx="11491451" cy="5817420"/>
+          </a:xfrm>
+          <a:prstGeom prst="rect">
+            <a:avLst/>
+          </a:prstGeom>
+          <a:noFill/>
+          <a:ln>
+            <a:solidFill>
+              <a:schemeClr val="dk1"/>
+            </a:solidFill>
+          </a:ln>
+        </p:spPr>
+        <p:style>
+          <a:lnRef idx="2">
+            <a:schemeClr val="accent1">
+              <a:shade val="20000"/>
+            </a:schemeClr>
+          </a:lnRef>
+          <a:fillRef idx="1">
+            <a:schemeClr val="accent1"/>
+          </a:fillRef>
+          <a:effectRef idx="0">
+            <a:schemeClr val="accent1"/>
+          </a:effectRef>
+          <a:fontRef idx="minor">
+            <a:schemeClr val="lt1"/>
+          </a:fontRef>
+        </p:style>
+        <p:txBody>
+          <a:bodyPr anchor="ctr"/>
+          <a:p>
+            <a:pPr lvl="0" algn="ctr">
+              <a:defRPr/>
+            </a:pPr>
+            <a:endParaRPr lang="ko-KR" altLang="en-US">
+              <a:solidFill>
+                <a:schemeClr val="tx1"/>
+              </a:solidFill>
+            </a:endParaRPr>
+          </a:p>
+        </p:txBody>
+      </p:sp>
       <p:grpSp>
         <p:nvGrpSpPr>
-          <p:cNvPr id="28" name=""/>
+          <p:cNvPr id="31" name=""/>
           <p:cNvGrpSpPr/>
           <p:nvPr/>
         </p:nvGrpSpPr>
         <p:grpSpPr>
           <a:xfrm rot="0">
-            <a:off x="299064" y="791701"/>
-            <a:ext cx="11491451" cy="5817420"/>
-            <a:chOff x="299064" y="791701"/>
-            <a:chExt cx="11491451" cy="5817420"/>
+            <a:off x="5368824" y="4642668"/>
+            <a:ext cx="6216852" cy="1843549"/>
+            <a:chOff x="544870" y="3813072"/>
+            <a:chExt cx="11081773" cy="1843549"/>
           </a:xfrm>
         </p:grpSpPr>
-        <p:sp>
-          <p:nvSpPr>
-            <p:cNvPr id="3" name="직사각형 2"/>
-            <p:cNvSpPr/>
-            <p:nvPr/>
-          </p:nvSpPr>
-          <p:spPr>
-            <a:xfrm>
-              <a:off x="299064" y="791701"/>
-              <a:ext cx="11491451" cy="5817420"/>
-            </a:xfrm>
-            <a:prstGeom prst="rect">
-              <a:avLst/>
-            </a:prstGeom>
-            <a:noFill/>
-            <a:ln>
-              <a:solidFill>
-                <a:schemeClr val="dk1"/>
-              </a:solidFill>
-            </a:ln>
-          </p:spPr>
-          <p:style>
-            <a:lnRef idx="2">
-              <a:schemeClr val="accent1">
-                <a:shade val="20000"/>
-              </a:schemeClr>
-            </a:lnRef>
-            <a:fillRef idx="1">
-              <a:schemeClr val="accent1"/>
-            </a:fillRef>
-            <a:effectRef idx="0">
-              <a:schemeClr val="accent1"/>
-            </a:effectRef>
-            <a:fontRef idx="minor">
-              <a:schemeClr val="lt1"/>
-            </a:fontRef>
-          </p:style>
-          <p:txBody>
-            <a:bodyPr anchor="ctr"/>
-            <a:p>
-              <a:pPr lvl="0" algn="ctr">
-                <a:defRPr/>
-              </a:pPr>
-              <a:endParaRPr lang="ko-KR" altLang="en-US">
-                <a:solidFill>
-                  <a:schemeClr val="tx1"/>
-                </a:solidFill>
-              </a:endParaRPr>
-            </a:p>
-          </p:txBody>
-        </p:sp>
         <p:sp>
           <p:nvSpPr>
             <p:cNvPr id="5" name="직사각형 4"/>
@@ -10614,8 +10940,8 @@
           </p:nvSpPr>
           <p:spPr>
             <a:xfrm>
-              <a:off x="800919" y="4949927"/>
-              <a:ext cx="655484" cy="363118"/>
+              <a:off x="800915" y="4949925"/>
+              <a:ext cx="655481" cy="639343"/>
             </a:xfrm>
             <a:prstGeom prst="rect">
               <a:avLst/>
@@ -10698,8 +11024,8 @@
           </p:nvSpPr>
           <p:spPr>
             <a:xfrm>
-              <a:off x="1896806" y="4949927"/>
-              <a:ext cx="655484" cy="363118"/>
+              <a:off x="1896803" y="4949925"/>
+              <a:ext cx="655481" cy="639343"/>
             </a:xfrm>
             <a:prstGeom prst="rect">
               <a:avLst/>
@@ -10782,8 +11108,8 @@
           </p:nvSpPr>
           <p:spPr>
             <a:xfrm>
-              <a:off x="3033661" y="4949927"/>
-              <a:ext cx="655484" cy="363118"/>
+              <a:off x="3033655" y="4949925"/>
+              <a:ext cx="655483" cy="639343"/>
             </a:xfrm>
             <a:prstGeom prst="rect">
               <a:avLst/>
@@ -10866,8 +11192,8 @@
           </p:nvSpPr>
           <p:spPr>
             <a:xfrm>
-              <a:off x="4129548" y="4949927"/>
-              <a:ext cx="655484" cy="363118"/>
+              <a:off x="4129544" y="4949925"/>
+              <a:ext cx="655481" cy="639343"/>
             </a:xfrm>
             <a:prstGeom prst="rect">
               <a:avLst/>
@@ -10897,7 +11223,7 @@
           </p:nvSpPr>
           <p:spPr>
             <a:xfrm>
-              <a:off x="5007897" y="4768368"/>
+              <a:off x="6850157" y="4768366"/>
               <a:ext cx="1702619" cy="468477"/>
             </a:xfrm>
             <a:prstGeom prst="rect">
@@ -10920,431 +11246,1015 @@
             </a:p>
           </p:txBody>
         </p:sp>
-        <p:sp>
-          <p:nvSpPr>
-            <p:cNvPr id="20" name="이등변 삼각형 19"/>
-            <p:cNvSpPr/>
-            <p:nvPr/>
-          </p:nvSpPr>
-          <p:spPr>
-            <a:xfrm>
-              <a:off x="5640234" y="5789765"/>
-              <a:ext cx="911532" cy="696451"/>
-            </a:xfrm>
-            <a:prstGeom prst="triangle">
-              <a:avLst>
-                <a:gd name="adj" fmla="val 50000"/>
-              </a:avLst>
-            </a:prstGeom>
-            <a:noFill/>
-            <a:ln>
-              <a:solidFill>
-                <a:schemeClr val="dk1"/>
-              </a:solidFill>
-            </a:ln>
-          </p:spPr>
-          <p:style>
-            <a:lnRef idx="2">
-              <a:schemeClr val="accent1">
-                <a:shade val="20000"/>
-              </a:schemeClr>
-            </a:lnRef>
-            <a:fillRef idx="1">
-              <a:schemeClr val="accent1"/>
-            </a:fillRef>
-            <a:effectRef idx="0">
-              <a:schemeClr val="accent1"/>
-            </a:effectRef>
-            <a:fontRef idx="minor">
-              <a:schemeClr val="lt1"/>
-            </a:fontRef>
-          </p:style>
-          <p:txBody>
-            <a:bodyPr anchor="ctr"/>
-            <a:p>
-              <a:pPr lvl="0" algn="ctr">
-                <a:defRPr/>
-              </a:pPr>
-              <a:endParaRPr lang="ko-KR" altLang="en-US">
+      </p:grpSp>
+      <p:sp>
+        <p:nvSpPr>
+          <p:cNvPr id="22" name="직사각형 21"/>
+          <p:cNvSpPr/>
+          <p:nvPr/>
+        </p:nvSpPr>
+        <p:spPr>
+          <a:xfrm>
+            <a:off x="9383660" y="904362"/>
+            <a:ext cx="2202016" cy="655483"/>
+          </a:xfrm>
+          <a:prstGeom prst="rect">
+            <a:avLst/>
+          </a:prstGeom>
+          <a:noFill/>
+          <a:ln>
+            <a:solidFill>
+              <a:schemeClr val="dk1"/>
+            </a:solidFill>
+          </a:ln>
+        </p:spPr>
+        <p:style>
+          <a:lnRef idx="2">
+            <a:schemeClr val="accent1">
+              <a:shade val="20000"/>
+            </a:schemeClr>
+          </a:lnRef>
+          <a:fillRef idx="1">
+            <a:schemeClr val="accent1"/>
+          </a:fillRef>
+          <a:effectRef idx="0">
+            <a:schemeClr val="accent1"/>
+          </a:effectRef>
+          <a:fontRef idx="minor">
+            <a:schemeClr val="lt1"/>
+          </a:fontRef>
+        </p:style>
+        <p:txBody>
+          <a:bodyPr anchor="ctr"/>
+          <a:lstStyle/>
+          <a:p>
+            <a:pPr lvl="0" algn="ctr">
+              <a:defRPr/>
+            </a:pPr>
+            <a:r>
+              <a:rPr lang="ko-KR" altLang="en-US">
                 <a:solidFill>
                   <a:schemeClr val="tx1"/>
                 </a:solidFill>
-              </a:endParaRPr>
-            </a:p>
-          </p:txBody>
-        </p:sp>
-        <p:sp>
-          <p:nvSpPr>
-            <p:cNvPr id="21" name="가로 글상자 20"/>
-            <p:cNvSpPr txBox="1"/>
-            <p:nvPr/>
-          </p:nvSpPr>
-          <p:spPr>
-            <a:xfrm>
-              <a:off x="5768258" y="6123099"/>
-              <a:ext cx="655484" cy="363118"/>
-            </a:xfrm>
-            <a:prstGeom prst="rect">
-              <a:avLst/>
-            </a:prstGeom>
-          </p:spPr>
-          <p:txBody>
-            <a:bodyPr wrap="square">
-              <a:spAutoFit/>
-            </a:bodyPr>
-            <a:p>
-              <a:pPr lvl="0">
-                <a:defRPr/>
-              </a:pPr>
-              <a:r>
-                <a:rPr lang="ko-KR" altLang="en-US"/>
-                <a:t>취소</a:t>
-              </a:r>
-              <a:endParaRPr lang="ko-KR" altLang="en-US"/>
-            </a:p>
-          </p:txBody>
-        </p:sp>
-        <p:sp>
-          <p:nvSpPr>
-            <p:cNvPr id="22" name="직사각형 21"/>
-            <p:cNvSpPr/>
-            <p:nvPr/>
-          </p:nvSpPr>
-          <p:spPr>
-            <a:xfrm>
-              <a:off x="9383660" y="904362"/>
-              <a:ext cx="2202016" cy="655483"/>
-            </a:xfrm>
-            <a:prstGeom prst="rect">
-              <a:avLst/>
-            </a:prstGeom>
-            <a:noFill/>
-            <a:ln>
+              </a:rPr>
+              <a:t>건물 생성 시간 표시</a:t>
+            </a:r>
+            <a:endParaRPr lang="ko-KR" altLang="en-US">
               <a:solidFill>
-                <a:schemeClr val="dk1"/>
+                <a:schemeClr val="tx1"/>
               </a:solidFill>
-            </a:ln>
-          </p:spPr>
-          <p:style>
-            <a:lnRef idx="2">
-              <a:schemeClr val="accent1">
-                <a:shade val="20000"/>
-              </a:schemeClr>
-            </a:lnRef>
-            <a:fillRef idx="1">
-              <a:schemeClr val="accent1"/>
-            </a:fillRef>
-            <a:effectRef idx="0">
-              <a:schemeClr val="accent1"/>
-            </a:effectRef>
-            <a:fontRef idx="minor">
-              <a:schemeClr val="lt1"/>
-            </a:fontRef>
-          </p:style>
-          <p:txBody>
-            <a:bodyPr anchor="ctr"/>
-            <a:lstStyle/>
-            <a:p>
-              <a:pPr lvl="0" algn="ctr">
-                <a:defRPr/>
-              </a:pPr>
-              <a:r>
-                <a:rPr lang="ko-KR" altLang="en-US">
-                  <a:solidFill>
-                    <a:schemeClr val="tx1"/>
-                  </a:solidFill>
-                </a:rPr>
-                <a:t>건물 생성 시간 표시</a:t>
-              </a:r>
-              <a:endParaRPr lang="ko-KR" altLang="en-US">
+            </a:endParaRPr>
+          </a:p>
+        </p:txBody>
+      </p:sp>
+      <p:sp>
+        <p:nvSpPr>
+          <p:cNvPr id="23" name="직사각형 22"/>
+          <p:cNvSpPr/>
+          <p:nvPr/>
+        </p:nvSpPr>
+        <p:spPr>
+          <a:xfrm>
+            <a:off x="9383660" y="1754443"/>
+            <a:ext cx="2202016" cy="655483"/>
+          </a:xfrm>
+          <a:prstGeom prst="rect">
+            <a:avLst/>
+          </a:prstGeom>
+          <a:noFill/>
+          <a:ln>
+            <a:solidFill>
+              <a:schemeClr val="dk1"/>
+            </a:solidFill>
+          </a:ln>
+        </p:spPr>
+        <p:style>
+          <a:lnRef idx="2">
+            <a:schemeClr val="accent1">
+              <a:shade val="20000"/>
+            </a:schemeClr>
+          </a:lnRef>
+          <a:fillRef idx="1">
+            <a:schemeClr val="accent1"/>
+          </a:fillRef>
+          <a:effectRef idx="0">
+            <a:schemeClr val="accent1"/>
+          </a:effectRef>
+          <a:fontRef idx="minor">
+            <a:schemeClr val="lt1"/>
+          </a:fontRef>
+        </p:style>
+        <p:txBody>
+          <a:bodyPr anchor="ctr"/>
+          <a:lstStyle/>
+          <a:p>
+            <a:pPr lvl="0" algn="ctr">
+              <a:defRPr/>
+            </a:pPr>
+            <a:r>
+              <a:rPr lang="ko-KR" altLang="en-US">
                 <a:solidFill>
                   <a:schemeClr val="tx1"/>
                 </a:solidFill>
-              </a:endParaRPr>
-            </a:p>
-          </p:txBody>
-        </p:sp>
-        <p:sp>
-          <p:nvSpPr>
-            <p:cNvPr id="23" name="직사각형 22"/>
-            <p:cNvSpPr/>
-            <p:nvPr/>
-          </p:nvSpPr>
-          <p:spPr>
-            <a:xfrm>
-              <a:off x="9383660" y="1754443"/>
-              <a:ext cx="2202016" cy="655483"/>
-            </a:xfrm>
-            <a:prstGeom prst="rect">
-              <a:avLst/>
-            </a:prstGeom>
-            <a:noFill/>
-            <a:ln>
+              </a:rPr>
+              <a:t>건물 생성 시간 표시</a:t>
+            </a:r>
+            <a:endParaRPr lang="ko-KR" altLang="en-US">
               <a:solidFill>
-                <a:schemeClr val="dk1"/>
+                <a:schemeClr val="tx1"/>
               </a:solidFill>
-            </a:ln>
-          </p:spPr>
-          <p:style>
-            <a:lnRef idx="2">
-              <a:schemeClr val="accent1">
-                <a:shade val="20000"/>
-              </a:schemeClr>
-            </a:lnRef>
-            <a:fillRef idx="1">
-              <a:schemeClr val="accent1"/>
-            </a:fillRef>
-            <a:effectRef idx="0">
-              <a:schemeClr val="accent1"/>
-            </a:effectRef>
-            <a:fontRef idx="minor">
-              <a:schemeClr val="lt1"/>
-            </a:fontRef>
-          </p:style>
-          <p:txBody>
-            <a:bodyPr anchor="ctr"/>
-            <a:lstStyle/>
-            <a:p>
-              <a:pPr lvl="0" algn="ctr">
-                <a:defRPr/>
-              </a:pPr>
-              <a:r>
-                <a:rPr lang="ko-KR" altLang="en-US">
-                  <a:solidFill>
-                    <a:schemeClr val="tx1"/>
-                  </a:solidFill>
-                </a:rPr>
-                <a:t>건물 생성 시간 표시</a:t>
-              </a:r>
-              <a:endParaRPr lang="ko-KR" altLang="en-US">
+            </a:endParaRPr>
+          </a:p>
+        </p:txBody>
+      </p:sp>
+      <p:sp>
+        <p:nvSpPr>
+          <p:cNvPr id="24" name="세로 글상자 23"/>
+          <p:cNvSpPr txBox="1"/>
+          <p:nvPr/>
+        </p:nvSpPr>
+        <p:spPr>
+          <a:xfrm>
+            <a:off x="10322968" y="2635250"/>
+            <a:ext cx="576499" cy="396875"/>
+          </a:xfrm>
+          <a:prstGeom prst="rect">
+            <a:avLst/>
+          </a:prstGeom>
+        </p:spPr>
+        <p:txBody>
+          <a:bodyPr vert="eaVert" wrap="square">
+            <a:spAutoFit/>
+          </a:bodyPr>
+          <a:lstStyle/>
+          <a:p>
+            <a:pPr lvl="0">
+              <a:defRPr/>
+            </a:pPr>
+            <a:r>
+              <a:rPr lang="en-US" altLang="ko-KR" sz="2500"/>
+              <a:t>...</a:t>
+            </a:r>
+            <a:endParaRPr lang="en-US" altLang="ko-KR" sz="2500"/>
+          </a:p>
+        </p:txBody>
+      </p:sp>
+      <p:sp>
+        <p:nvSpPr>
+          <p:cNvPr id="25" name="직사각형 24"/>
+          <p:cNvSpPr/>
+          <p:nvPr/>
+        </p:nvSpPr>
+        <p:spPr>
+          <a:xfrm>
+            <a:off x="596080" y="904362"/>
+            <a:ext cx="2038145" cy="1528609"/>
+          </a:xfrm>
+          <a:prstGeom prst="rect">
+            <a:avLst/>
+          </a:prstGeom>
+          <a:noFill/>
+          <a:ln>
+            <a:solidFill>
+              <a:schemeClr val="dk1"/>
+            </a:solidFill>
+          </a:ln>
+        </p:spPr>
+        <p:style>
+          <a:lnRef idx="2">
+            <a:schemeClr val="accent1">
+              <a:shade val="20000"/>
+            </a:schemeClr>
+          </a:lnRef>
+          <a:fillRef idx="1">
+            <a:schemeClr val="accent1"/>
+          </a:fillRef>
+          <a:effectRef idx="0">
+            <a:schemeClr val="accent1"/>
+          </a:effectRef>
+          <a:fontRef idx="minor">
+            <a:schemeClr val="lt1"/>
+          </a:fontRef>
+        </p:style>
+        <p:txBody>
+          <a:bodyPr anchor="ctr"/>
+          <a:lstStyle/>
+          <a:p>
+            <a:pPr lvl="0" algn="ctr">
+              <a:defRPr/>
+            </a:pPr>
+            <a:r>
+              <a:rPr lang="ko-KR" altLang="en-US">
                 <a:solidFill>
                   <a:schemeClr val="tx1"/>
                 </a:solidFill>
-              </a:endParaRPr>
-            </a:p>
-          </p:txBody>
-        </p:sp>
-        <p:sp>
-          <p:nvSpPr>
-            <p:cNvPr id="24" name="세로 글상자 23"/>
-            <p:cNvSpPr txBox="1"/>
-            <p:nvPr/>
-          </p:nvSpPr>
-          <p:spPr>
-            <a:xfrm>
-              <a:off x="10322968" y="2635250"/>
-              <a:ext cx="576499" cy="396875"/>
-            </a:xfrm>
-            <a:prstGeom prst="rect">
-              <a:avLst/>
-            </a:prstGeom>
-          </p:spPr>
-          <p:txBody>
-            <a:bodyPr vert="eaVert" wrap="square">
-              <a:spAutoFit/>
-            </a:bodyPr>
-            <a:lstStyle/>
-            <a:p>
-              <a:pPr lvl="0">
-                <a:defRPr/>
-              </a:pPr>
-              <a:r>
-                <a:rPr lang="en-US" altLang="ko-KR" sz="2500"/>
-                <a:t>...</a:t>
-              </a:r>
-              <a:endParaRPr lang="en-US" altLang="ko-KR" sz="2500"/>
-            </a:p>
-          </p:txBody>
-        </p:sp>
-        <p:sp>
-          <p:nvSpPr>
-            <p:cNvPr id="25" name="직사각형 24"/>
-            <p:cNvSpPr/>
-            <p:nvPr/>
-          </p:nvSpPr>
-          <p:spPr>
-            <a:xfrm>
-              <a:off x="596080" y="904362"/>
-              <a:ext cx="2038145" cy="1528609"/>
-            </a:xfrm>
-            <a:prstGeom prst="rect">
-              <a:avLst/>
-            </a:prstGeom>
-            <a:noFill/>
-            <a:ln>
+              </a:rPr>
+              <a:t>건물 생성</a:t>
+            </a:r>
+            <a:endParaRPr lang="ko-KR" altLang="en-US">
               <a:solidFill>
-                <a:schemeClr val="dk1"/>
+                <a:schemeClr val="tx1"/>
               </a:solidFill>
-            </a:ln>
-          </p:spPr>
-          <p:style>
-            <a:lnRef idx="2">
-              <a:schemeClr val="accent1">
-                <a:shade val="20000"/>
-              </a:schemeClr>
-            </a:lnRef>
-            <a:fillRef idx="1">
-              <a:schemeClr val="accent1"/>
-            </a:fillRef>
-            <a:effectRef idx="0">
-              <a:schemeClr val="accent1"/>
-            </a:effectRef>
-            <a:fontRef idx="minor">
-              <a:schemeClr val="lt1"/>
-            </a:fontRef>
-          </p:style>
-          <p:txBody>
-            <a:bodyPr anchor="ctr"/>
-            <a:lstStyle/>
-            <a:p>
-              <a:pPr lvl="0" algn="ctr">
-                <a:defRPr/>
-              </a:pPr>
-              <a:r>
-                <a:rPr lang="ko-KR" altLang="en-US">
-                  <a:solidFill>
-                    <a:schemeClr val="tx1"/>
-                  </a:solidFill>
-                </a:rPr>
-                <a:t>건물 생성</a:t>
-              </a:r>
-              <a:endParaRPr lang="ko-KR" altLang="en-US">
+            </a:endParaRPr>
+          </a:p>
+          <a:p>
+            <a:pPr lvl="0" algn="ctr">
+              <a:defRPr/>
+            </a:pPr>
+            <a:r>
+              <a:rPr lang="en-US" altLang="ko-KR">
                 <a:solidFill>
                   <a:schemeClr val="tx1"/>
                 </a:solidFill>
-              </a:endParaRPr>
-            </a:p>
-            <a:p>
-              <a:pPr lvl="0" algn="ctr">
-                <a:defRPr/>
-              </a:pPr>
-              <a:r>
-                <a:rPr lang="en-US" altLang="ko-KR">
-                  <a:solidFill>
-                    <a:schemeClr val="tx1"/>
-                  </a:solidFill>
-                </a:rPr>
-                <a:t>&amp;</a:t>
-              </a:r>
-              <a:endParaRPr lang="en-US" altLang="ko-KR">
+              </a:rPr>
+              <a:t>&amp;</a:t>
+            </a:r>
+            <a:endParaRPr lang="en-US" altLang="ko-KR">
+              <a:solidFill>
+                <a:schemeClr val="tx1"/>
+              </a:solidFill>
+            </a:endParaRPr>
+          </a:p>
+          <a:p>
+            <a:pPr lvl="0" algn="ctr">
+              <a:defRPr/>
+            </a:pPr>
+            <a:r>
+              <a:rPr lang="ko-KR" altLang="en-US">
                 <a:solidFill>
                   <a:schemeClr val="tx1"/>
                 </a:solidFill>
-              </a:endParaRPr>
-            </a:p>
-            <a:p>
-              <a:pPr lvl="0" algn="ctr">
-                <a:defRPr/>
-              </a:pPr>
-              <a:r>
-                <a:rPr lang="ko-KR" altLang="en-US">
-                  <a:solidFill>
-                    <a:schemeClr val="tx1"/>
-                  </a:solidFill>
-                </a:rPr>
-                <a:t>유닛 생성 알림</a:t>
-              </a:r>
-              <a:endParaRPr lang="ko-KR" altLang="en-US">
+              </a:rPr>
+              <a:t>유닛 생성 알림</a:t>
+            </a:r>
+            <a:endParaRPr lang="ko-KR" altLang="en-US">
+              <a:solidFill>
+                <a:schemeClr val="tx1"/>
+              </a:solidFill>
+            </a:endParaRPr>
+          </a:p>
+        </p:txBody>
+      </p:sp>
+      <p:sp>
+        <p:nvSpPr>
+          <p:cNvPr id="26" name="세로 글상자 8"/>
+          <p:cNvSpPr txBox="1"/>
+          <p:nvPr/>
+        </p:nvSpPr>
+        <p:spPr>
+          <a:xfrm>
+            <a:off x="1327785" y="2635250"/>
+            <a:ext cx="575617" cy="396875"/>
+          </a:xfrm>
+          <a:prstGeom prst="rect">
+            <a:avLst/>
+          </a:prstGeom>
+        </p:spPr>
+        <p:txBody>
+          <a:bodyPr vert="eaVert" wrap="square">
+            <a:spAutoFit/>
+          </a:bodyPr>
+          <a:lstStyle/>
+          <a:p>
+            <a:pPr lvl="0" algn="ctr">
+              <a:defRPr/>
+            </a:pPr>
+            <a:r>
+              <a:rPr lang="en-US" altLang="ko-KR" sz="2500"/>
+              <a:t>...</a:t>
+            </a:r>
+            <a:endParaRPr lang="en-US" altLang="ko-KR" sz="2500"/>
+          </a:p>
+        </p:txBody>
+      </p:sp>
+      <p:sp>
+        <p:nvSpPr>
+          <p:cNvPr id="27" name="직사각형 26"/>
+          <p:cNvSpPr/>
+          <p:nvPr/>
+        </p:nvSpPr>
+        <p:spPr>
+          <a:xfrm>
+            <a:off x="4808178" y="904362"/>
+            <a:ext cx="2488790" cy="404556"/>
+          </a:xfrm>
+          <a:prstGeom prst="rect">
+            <a:avLst/>
+          </a:prstGeom>
+          <a:noFill/>
+          <a:ln>
+            <a:solidFill>
+              <a:schemeClr val="dk1"/>
+            </a:solidFill>
+          </a:ln>
+        </p:spPr>
+        <p:style>
+          <a:lnRef idx="2">
+            <a:schemeClr val="accent1">
+              <a:shade val="20000"/>
+            </a:schemeClr>
+          </a:lnRef>
+          <a:fillRef idx="1">
+            <a:schemeClr val="accent1"/>
+          </a:fillRef>
+          <a:effectRef idx="0">
+            <a:schemeClr val="accent1"/>
+          </a:effectRef>
+          <a:fontRef idx="minor">
+            <a:schemeClr val="lt1"/>
+          </a:fontRef>
+        </p:style>
+        <p:txBody>
+          <a:bodyPr anchor="ctr"/>
+          <a:lstStyle/>
+          <a:p>
+            <a:pPr lvl="0" algn="ctr">
+              <a:defRPr/>
+            </a:pPr>
+            <a:r>
+              <a:rPr lang="ko-KR" altLang="en-US">
                 <a:solidFill>
                   <a:schemeClr val="tx1"/>
                 </a:solidFill>
-              </a:endParaRPr>
-            </a:p>
-          </p:txBody>
-        </p:sp>
-        <p:sp>
-          <p:nvSpPr>
-            <p:cNvPr id="26" name="세로 글상자 8"/>
-            <p:cNvSpPr txBox="1"/>
-            <p:nvPr/>
-          </p:nvSpPr>
-          <p:spPr>
-            <a:xfrm>
-              <a:off x="1327785" y="2635250"/>
-              <a:ext cx="575617" cy="396875"/>
-            </a:xfrm>
-            <a:prstGeom prst="rect">
-              <a:avLst/>
-            </a:prstGeom>
-          </p:spPr>
-          <p:txBody>
-            <a:bodyPr vert="eaVert" wrap="square">
-              <a:spAutoFit/>
-            </a:bodyPr>
-            <a:lstStyle/>
-            <a:p>
-              <a:pPr lvl="0" algn="ctr">
-                <a:defRPr/>
-              </a:pPr>
-              <a:r>
-                <a:rPr lang="en-US" altLang="ko-KR" sz="2500"/>
-                <a:t>...</a:t>
-              </a:r>
-              <a:endParaRPr lang="en-US" altLang="ko-KR" sz="2500"/>
-            </a:p>
-          </p:txBody>
-        </p:sp>
-        <p:sp>
-          <p:nvSpPr>
-            <p:cNvPr id="27" name="직사각형 26"/>
-            <p:cNvSpPr/>
-            <p:nvPr/>
-          </p:nvSpPr>
-          <p:spPr>
-            <a:xfrm>
-              <a:off x="4808178" y="904362"/>
-              <a:ext cx="2488790" cy="404556"/>
-            </a:xfrm>
-            <a:prstGeom prst="rect">
-              <a:avLst/>
-            </a:prstGeom>
-            <a:noFill/>
-            <a:ln>
+              </a:rPr>
+              <a:t>게임 시간 표시</a:t>
+            </a:r>
+            <a:endParaRPr lang="ko-KR" altLang="en-US">
               <a:solidFill>
-                <a:schemeClr val="dk1"/>
+                <a:schemeClr val="tx1"/>
               </a:solidFill>
-            </a:ln>
-          </p:spPr>
-          <p:style>
-            <a:lnRef idx="2">
-              <a:schemeClr val="accent1">
-                <a:shade val="20000"/>
-              </a:schemeClr>
-            </a:lnRef>
-            <a:fillRef idx="1">
-              <a:schemeClr val="accent1"/>
-            </a:fillRef>
-            <a:effectRef idx="0">
-              <a:schemeClr val="accent1"/>
-            </a:effectRef>
-            <a:fontRef idx="minor">
-              <a:schemeClr val="lt1"/>
-            </a:fontRef>
-          </p:style>
-          <p:txBody>
-            <a:bodyPr anchor="ctr"/>
-            <a:lstStyle/>
-            <a:p>
-              <a:pPr lvl="0" algn="ctr">
-                <a:defRPr/>
-              </a:pPr>
-              <a:r>
-                <a:rPr lang="ko-KR" altLang="en-US">
-                  <a:solidFill>
-                    <a:schemeClr val="tx1"/>
-                  </a:solidFill>
-                </a:rPr>
-                <a:t>시간 표시</a:t>
-              </a:r>
-              <a:endParaRPr lang="ko-KR" altLang="en-US">
+            </a:endParaRPr>
+          </a:p>
+        </p:txBody>
+      </p:sp>
+      <p:sp>
+        <p:nvSpPr>
+          <p:cNvPr id="32" name="직사각형 31"/>
+          <p:cNvSpPr/>
+          <p:nvPr/>
+        </p:nvSpPr>
+        <p:spPr>
+          <a:xfrm>
+            <a:off x="534627" y="4786056"/>
+            <a:ext cx="1321211" cy="491613"/>
+          </a:xfrm>
+          <a:prstGeom prst="rect">
+            <a:avLst/>
+          </a:prstGeom>
+          <a:noFill/>
+          <a:ln>
+            <a:solidFill>
+              <a:schemeClr val="dk1"/>
+            </a:solidFill>
+          </a:ln>
+        </p:spPr>
+        <p:style>
+          <a:lnRef idx="2">
+            <a:schemeClr val="accent1">
+              <a:shade val="20000"/>
+            </a:schemeClr>
+          </a:lnRef>
+          <a:fillRef idx="1">
+            <a:schemeClr val="accent1"/>
+          </a:fillRef>
+          <a:effectRef idx="0">
+            <a:schemeClr val="accent1"/>
+          </a:effectRef>
+          <a:fontRef idx="minor">
+            <a:schemeClr val="lt1"/>
+          </a:fontRef>
+        </p:style>
+        <p:txBody>
+          <a:bodyPr anchor="ctr"/>
+          <a:lstStyle/>
+          <a:p>
+            <a:pPr lvl="0" algn="ctr">
+              <a:defRPr/>
+            </a:pPr>
+            <a:r>
+              <a:rPr lang="en-US" altLang="ko-KR">
                 <a:solidFill>
                   <a:schemeClr val="tx1"/>
                 </a:solidFill>
-              </a:endParaRPr>
-            </a:p>
-          </p:txBody>
-        </p:sp>
-      </p:grpSp>
+              </a:rPr>
+              <a:t>HP</a:t>
+            </a:r>
+            <a:endParaRPr lang="en-US" altLang="ko-KR">
+              <a:solidFill>
+                <a:schemeClr val="tx1"/>
+              </a:solidFill>
+            </a:endParaRPr>
+          </a:p>
+        </p:txBody>
+      </p:sp>
+      <p:sp>
+        <p:nvSpPr>
+          <p:cNvPr id="33" name="직사각형 32"/>
+          <p:cNvSpPr/>
+          <p:nvPr/>
+        </p:nvSpPr>
+        <p:spPr>
+          <a:xfrm>
+            <a:off x="534627" y="5451782"/>
+            <a:ext cx="1321211" cy="491613"/>
+          </a:xfrm>
+          <a:prstGeom prst="rect">
+            <a:avLst/>
+          </a:prstGeom>
+          <a:noFill/>
+          <a:ln>
+            <a:solidFill>
+              <a:schemeClr val="dk1"/>
+            </a:solidFill>
+          </a:ln>
+        </p:spPr>
+        <p:style>
+          <a:lnRef idx="2">
+            <a:schemeClr val="accent1">
+              <a:shade val="20000"/>
+            </a:schemeClr>
+          </a:lnRef>
+          <a:fillRef idx="1">
+            <a:schemeClr val="accent1"/>
+          </a:fillRef>
+          <a:effectRef idx="0">
+            <a:schemeClr val="accent1"/>
+          </a:effectRef>
+          <a:fontRef idx="minor">
+            <a:schemeClr val="lt1"/>
+          </a:fontRef>
+        </p:style>
+        <p:txBody>
+          <a:bodyPr anchor="ctr"/>
+          <a:lstStyle/>
+          <a:p>
+            <a:pPr lvl="0" algn="ctr">
+              <a:defRPr/>
+            </a:pPr>
+            <a:r>
+              <a:rPr lang="en-US" altLang="ko-KR">
+                <a:solidFill>
+                  <a:schemeClr val="tx1"/>
+                </a:solidFill>
+              </a:rPr>
+              <a:t>STAMINA</a:t>
+            </a:r>
+            <a:endParaRPr lang="en-US" altLang="ko-KR">
+              <a:solidFill>
+                <a:schemeClr val="tx1"/>
+              </a:solidFill>
+            </a:endParaRPr>
+          </a:p>
+        </p:txBody>
+      </p:sp>
+      <p:sp>
+        <p:nvSpPr>
+          <p:cNvPr id="34" name="직사각형 33"/>
+          <p:cNvSpPr/>
+          <p:nvPr/>
+        </p:nvSpPr>
+        <p:spPr>
+          <a:xfrm>
+            <a:off x="534627" y="6127749"/>
+            <a:ext cx="348227" cy="327742"/>
+          </a:xfrm>
+          <a:prstGeom prst="rect">
+            <a:avLst/>
+          </a:prstGeom>
+          <a:noFill/>
+          <a:ln>
+            <a:solidFill>
+              <a:schemeClr val="dk1"/>
+            </a:solidFill>
+          </a:ln>
+        </p:spPr>
+        <p:style>
+          <a:lnRef idx="2">
+            <a:schemeClr val="accent1">
+              <a:shade val="20000"/>
+            </a:schemeClr>
+          </a:lnRef>
+          <a:fillRef idx="1">
+            <a:schemeClr val="accent1"/>
+          </a:fillRef>
+          <a:effectRef idx="0">
+            <a:schemeClr val="accent1"/>
+          </a:effectRef>
+          <a:fontRef idx="minor">
+            <a:schemeClr val="lt1"/>
+          </a:fontRef>
+        </p:style>
+        <p:txBody>
+          <a:bodyPr anchor="ctr"/>
+          <a:lstStyle/>
+          <a:p>
+            <a:pPr lvl="0" algn="ctr">
+              <a:defRPr/>
+            </a:pPr>
+            <a:r>
+              <a:rPr lang="en-US" altLang="ko-KR">
+                <a:solidFill>
+                  <a:schemeClr val="tx1"/>
+                </a:solidFill>
+              </a:rPr>
+              <a:t>1</a:t>
+            </a:r>
+            <a:endParaRPr lang="en-US" altLang="ko-KR">
+              <a:solidFill>
+                <a:schemeClr val="tx1"/>
+              </a:solidFill>
+            </a:endParaRPr>
+          </a:p>
+        </p:txBody>
+      </p:sp>
+      <p:sp>
+        <p:nvSpPr>
+          <p:cNvPr id="35" name="직사각형 34"/>
+          <p:cNvSpPr/>
+          <p:nvPr/>
+        </p:nvSpPr>
+        <p:spPr>
+          <a:xfrm>
+            <a:off x="1021119" y="6127749"/>
+            <a:ext cx="348227" cy="327742"/>
+          </a:xfrm>
+          <a:prstGeom prst="rect">
+            <a:avLst/>
+          </a:prstGeom>
+          <a:noFill/>
+          <a:ln>
+            <a:solidFill>
+              <a:schemeClr val="dk1"/>
+            </a:solidFill>
+          </a:ln>
+        </p:spPr>
+        <p:style>
+          <a:lnRef idx="2">
+            <a:schemeClr val="accent1">
+              <a:shade val="20000"/>
+            </a:schemeClr>
+          </a:lnRef>
+          <a:fillRef idx="1">
+            <a:schemeClr val="accent1"/>
+          </a:fillRef>
+          <a:effectRef idx="0">
+            <a:schemeClr val="accent1"/>
+          </a:effectRef>
+          <a:fontRef idx="minor">
+            <a:schemeClr val="lt1"/>
+          </a:fontRef>
+        </p:style>
+        <p:txBody>
+          <a:bodyPr anchor="ctr"/>
+          <a:lstStyle/>
+          <a:p>
+            <a:pPr lvl="0" algn="ctr">
+              <a:defRPr/>
+            </a:pPr>
+            <a:r>
+              <a:rPr lang="en-US" altLang="ko-KR">
+                <a:solidFill>
+                  <a:schemeClr val="tx1"/>
+                </a:solidFill>
+              </a:rPr>
+              <a:t>2</a:t>
+            </a:r>
+            <a:endParaRPr lang="en-US" altLang="ko-KR">
+              <a:solidFill>
+                <a:schemeClr val="tx1"/>
+              </a:solidFill>
+            </a:endParaRPr>
+          </a:p>
+        </p:txBody>
+      </p:sp>
+      <p:sp>
+        <p:nvSpPr>
+          <p:cNvPr id="36" name="직사각형 35"/>
+          <p:cNvSpPr/>
+          <p:nvPr/>
+        </p:nvSpPr>
+        <p:spPr>
+          <a:xfrm>
+            <a:off x="1507611" y="6127749"/>
+            <a:ext cx="348227" cy="327742"/>
+          </a:xfrm>
+          <a:prstGeom prst="rect">
+            <a:avLst/>
+          </a:prstGeom>
+          <a:noFill/>
+          <a:ln>
+            <a:solidFill>
+              <a:schemeClr val="dk1"/>
+            </a:solidFill>
+          </a:ln>
+        </p:spPr>
+        <p:style>
+          <a:lnRef idx="2">
+            <a:schemeClr val="accent1">
+              <a:shade val="20000"/>
+            </a:schemeClr>
+          </a:lnRef>
+          <a:fillRef idx="1">
+            <a:schemeClr val="accent1"/>
+          </a:fillRef>
+          <a:effectRef idx="0">
+            <a:schemeClr val="accent1"/>
+          </a:effectRef>
+          <a:fontRef idx="minor">
+            <a:schemeClr val="lt1"/>
+          </a:fontRef>
+        </p:style>
+        <p:txBody>
+          <a:bodyPr anchor="ctr"/>
+          <a:lstStyle/>
+          <a:p>
+            <a:pPr lvl="0" algn="ctr">
+              <a:defRPr/>
+            </a:pPr>
+            <a:r>
+              <a:rPr lang="en-US" altLang="ko-KR">
+                <a:solidFill>
+                  <a:schemeClr val="tx1"/>
+                </a:solidFill>
+              </a:rPr>
+              <a:t>3</a:t>
+            </a:r>
+            <a:endParaRPr lang="en-US" altLang="ko-KR">
+              <a:solidFill>
+                <a:schemeClr val="tx1"/>
+              </a:solidFill>
+            </a:endParaRPr>
+          </a:p>
+        </p:txBody>
+      </p:sp>
+      <p:sp>
+        <p:nvSpPr>
+          <p:cNvPr id="37" name="직사각형 36"/>
+          <p:cNvSpPr/>
+          <p:nvPr/>
+        </p:nvSpPr>
+        <p:spPr>
+          <a:xfrm>
+            <a:off x="1994103" y="6127749"/>
+            <a:ext cx="348227" cy="327742"/>
+          </a:xfrm>
+          <a:prstGeom prst="rect">
+            <a:avLst/>
+          </a:prstGeom>
+          <a:noFill/>
+          <a:ln>
+            <a:solidFill>
+              <a:schemeClr val="dk1"/>
+            </a:solidFill>
+          </a:ln>
+        </p:spPr>
+        <p:style>
+          <a:lnRef idx="2">
+            <a:schemeClr val="accent1">
+              <a:shade val="20000"/>
+            </a:schemeClr>
+          </a:lnRef>
+          <a:fillRef idx="1">
+            <a:schemeClr val="accent1"/>
+          </a:fillRef>
+          <a:effectRef idx="0">
+            <a:schemeClr val="accent1"/>
+          </a:effectRef>
+          <a:fontRef idx="minor">
+            <a:schemeClr val="lt1"/>
+          </a:fontRef>
+        </p:style>
+        <p:txBody>
+          <a:bodyPr anchor="ctr"/>
+          <a:lstStyle/>
+          <a:p>
+            <a:pPr lvl="0" algn="ctr">
+              <a:defRPr/>
+            </a:pPr>
+            <a:r>
+              <a:rPr lang="en-US" altLang="ko-KR">
+                <a:solidFill>
+                  <a:schemeClr val="tx1"/>
+                </a:solidFill>
+              </a:rPr>
+              <a:t>4</a:t>
+            </a:r>
+            <a:endParaRPr lang="en-US" altLang="ko-KR">
+              <a:solidFill>
+                <a:schemeClr val="tx1"/>
+              </a:solidFill>
+            </a:endParaRPr>
+          </a:p>
+        </p:txBody>
+      </p:sp>
+      <p:sp>
+        <p:nvSpPr>
+          <p:cNvPr id="38" name="직사각형 37"/>
+          <p:cNvSpPr/>
+          <p:nvPr/>
+        </p:nvSpPr>
+        <p:spPr>
+          <a:xfrm>
+            <a:off x="2532008" y="6127749"/>
+            <a:ext cx="348227" cy="327742"/>
+          </a:xfrm>
+          <a:prstGeom prst="rect">
+            <a:avLst/>
+          </a:prstGeom>
+          <a:noFill/>
+          <a:ln>
+            <a:solidFill>
+              <a:schemeClr val="dk1"/>
+            </a:solidFill>
+          </a:ln>
+        </p:spPr>
+        <p:style>
+          <a:lnRef idx="2">
+            <a:schemeClr val="accent1">
+              <a:shade val="20000"/>
+            </a:schemeClr>
+          </a:lnRef>
+          <a:fillRef idx="1">
+            <a:schemeClr val="accent1"/>
+          </a:fillRef>
+          <a:effectRef idx="0">
+            <a:schemeClr val="accent1"/>
+          </a:effectRef>
+          <a:fontRef idx="minor">
+            <a:schemeClr val="lt1"/>
+          </a:fontRef>
+        </p:style>
+        <p:txBody>
+          <a:bodyPr anchor="ctr"/>
+          <a:lstStyle/>
+          <a:p>
+            <a:pPr lvl="0" algn="ctr">
+              <a:defRPr/>
+            </a:pPr>
+            <a:r>
+              <a:rPr lang="en-US" altLang="ko-KR">
+                <a:solidFill>
+                  <a:schemeClr val="tx1"/>
+                </a:solidFill>
+              </a:rPr>
+              <a:t>5</a:t>
+            </a:r>
+            <a:endParaRPr lang="en-US" altLang="ko-KR">
+              <a:solidFill>
+                <a:schemeClr val="tx1"/>
+              </a:solidFill>
+            </a:endParaRPr>
+          </a:p>
+        </p:txBody>
+      </p:sp>
+      <p:sp>
+        <p:nvSpPr>
+          <p:cNvPr id="39" name="직사각형 38"/>
+          <p:cNvSpPr/>
+          <p:nvPr/>
+        </p:nvSpPr>
+        <p:spPr>
+          <a:xfrm>
+            <a:off x="3018500" y="6127749"/>
+            <a:ext cx="348227" cy="327742"/>
+          </a:xfrm>
+          <a:prstGeom prst="rect">
+            <a:avLst/>
+          </a:prstGeom>
+          <a:noFill/>
+          <a:ln>
+            <a:solidFill>
+              <a:schemeClr val="dk1"/>
+            </a:solidFill>
+          </a:ln>
+        </p:spPr>
+        <p:style>
+          <a:lnRef idx="2">
+            <a:schemeClr val="accent1">
+              <a:shade val="20000"/>
+            </a:schemeClr>
+          </a:lnRef>
+          <a:fillRef idx="1">
+            <a:schemeClr val="accent1"/>
+          </a:fillRef>
+          <a:effectRef idx="0">
+            <a:schemeClr val="accent1"/>
+          </a:effectRef>
+          <a:fontRef idx="minor">
+            <a:schemeClr val="lt1"/>
+          </a:fontRef>
+        </p:style>
+        <p:txBody>
+          <a:bodyPr anchor="ctr"/>
+          <a:lstStyle/>
+          <a:p>
+            <a:pPr lvl="0" algn="ctr">
+              <a:defRPr/>
+            </a:pPr>
+            <a:r>
+              <a:rPr lang="en-US" altLang="ko-KR">
+                <a:solidFill>
+                  <a:schemeClr val="tx1"/>
+                </a:solidFill>
+              </a:rPr>
+              <a:t>6</a:t>
+            </a:r>
+            <a:endParaRPr lang="en-US" altLang="ko-KR">
+              <a:solidFill>
+                <a:schemeClr val="tx1"/>
+              </a:solidFill>
+            </a:endParaRPr>
+          </a:p>
+        </p:txBody>
+      </p:sp>
+      <p:sp>
+        <p:nvSpPr>
+          <p:cNvPr id="40" name="직사각형 39"/>
+          <p:cNvSpPr/>
+          <p:nvPr/>
+        </p:nvSpPr>
+        <p:spPr>
+          <a:xfrm>
+            <a:off x="3504992" y="6127749"/>
+            <a:ext cx="348227" cy="327742"/>
+          </a:xfrm>
+          <a:prstGeom prst="rect">
+            <a:avLst/>
+          </a:prstGeom>
+          <a:noFill/>
+          <a:ln>
+            <a:solidFill>
+              <a:schemeClr val="dk1"/>
+            </a:solidFill>
+          </a:ln>
+        </p:spPr>
+        <p:style>
+          <a:lnRef idx="2">
+            <a:schemeClr val="accent1">
+              <a:shade val="20000"/>
+            </a:schemeClr>
+          </a:lnRef>
+          <a:fillRef idx="1">
+            <a:schemeClr val="accent1"/>
+          </a:fillRef>
+          <a:effectRef idx="0">
+            <a:schemeClr val="accent1"/>
+          </a:effectRef>
+          <a:fontRef idx="minor">
+            <a:schemeClr val="lt1"/>
+          </a:fontRef>
+        </p:style>
+        <p:txBody>
+          <a:bodyPr anchor="ctr"/>
+          <a:lstStyle/>
+          <a:p>
+            <a:pPr lvl="0" algn="ctr">
+              <a:defRPr/>
+            </a:pPr>
+            <a:r>
+              <a:rPr lang="en-US" altLang="ko-KR">
+                <a:solidFill>
+                  <a:schemeClr val="tx1"/>
+                </a:solidFill>
+              </a:rPr>
+              <a:t>7</a:t>
+            </a:r>
+            <a:endParaRPr lang="en-US" altLang="ko-KR">
+              <a:solidFill>
+                <a:schemeClr val="tx1"/>
+              </a:solidFill>
+            </a:endParaRPr>
+          </a:p>
+        </p:txBody>
+      </p:sp>
+      <p:sp>
+        <p:nvSpPr>
+          <p:cNvPr id="41" name="직사각형 40"/>
+          <p:cNvSpPr/>
+          <p:nvPr/>
+        </p:nvSpPr>
+        <p:spPr>
+          <a:xfrm>
+            <a:off x="3991484" y="6127749"/>
+            <a:ext cx="348227" cy="327742"/>
+          </a:xfrm>
+          <a:prstGeom prst="rect">
+            <a:avLst/>
+          </a:prstGeom>
+          <a:noFill/>
+          <a:ln>
+            <a:solidFill>
+              <a:schemeClr val="dk1"/>
+            </a:solidFill>
+          </a:ln>
+        </p:spPr>
+        <p:style>
+          <a:lnRef idx="2">
+            <a:schemeClr val="accent1">
+              <a:shade val="20000"/>
+            </a:schemeClr>
+          </a:lnRef>
+          <a:fillRef idx="1">
+            <a:schemeClr val="accent1"/>
+          </a:fillRef>
+          <a:effectRef idx="0">
+            <a:schemeClr val="accent1"/>
+          </a:effectRef>
+          <a:fontRef idx="minor">
+            <a:schemeClr val="lt1"/>
+          </a:fontRef>
+        </p:style>
+        <p:txBody>
+          <a:bodyPr anchor="ctr"/>
+          <a:lstStyle/>
+          <a:p>
+            <a:pPr lvl="0" algn="ctr">
+              <a:defRPr/>
+            </a:pPr>
+            <a:r>
+              <a:rPr lang="en-US" altLang="ko-KR">
+                <a:solidFill>
+                  <a:schemeClr val="tx1"/>
+                </a:solidFill>
+              </a:rPr>
+              <a:t>8</a:t>
+            </a:r>
+            <a:endParaRPr lang="en-US" altLang="ko-KR">
+              <a:solidFill>
+                <a:schemeClr val="tx1"/>
+              </a:solidFill>
+            </a:endParaRPr>
+          </a:p>
+        </p:txBody>
+      </p:sp>
+      <p:sp>
+        <p:nvSpPr>
+          <p:cNvPr id="42" name="직사각형 41"/>
+          <p:cNvSpPr/>
+          <p:nvPr/>
+        </p:nvSpPr>
+        <p:spPr>
+          <a:xfrm>
+            <a:off x="2082799" y="4786056"/>
+            <a:ext cx="2256913" cy="1167581"/>
+          </a:xfrm>
+          <a:prstGeom prst="rect">
+            <a:avLst/>
+          </a:prstGeom>
+          <a:noFill/>
+          <a:ln>
+            <a:solidFill>
+              <a:schemeClr val="dk1"/>
+            </a:solidFill>
+          </a:ln>
+        </p:spPr>
+        <p:style>
+          <a:lnRef idx="2">
+            <a:schemeClr val="accent1">
+              <a:shade val="20000"/>
+            </a:schemeClr>
+          </a:lnRef>
+          <a:fillRef idx="1">
+            <a:schemeClr val="accent1"/>
+          </a:fillRef>
+          <a:effectRef idx="0">
+            <a:schemeClr val="accent1"/>
+          </a:effectRef>
+          <a:fontRef idx="minor">
+            <a:schemeClr val="lt1"/>
+          </a:fontRef>
+        </p:style>
+        <p:txBody>
+          <a:bodyPr anchor="ctr"/>
+          <a:lstStyle/>
+          <a:p>
+            <a:pPr lvl="0" algn="ctr">
+              <a:defRPr/>
+            </a:pPr>
+            <a:r>
+              <a:rPr lang="ko-KR" altLang="en-US">
+                <a:solidFill>
+                  <a:schemeClr val="tx1"/>
+                </a:solidFill>
+              </a:rPr>
+              <a:t>장착한 무기 </a:t>
+            </a:r>
+            <a:r>
+              <a:rPr lang="en-US" altLang="ko-KR">
+                <a:solidFill>
+                  <a:schemeClr val="tx1"/>
+                </a:solidFill>
+              </a:rPr>
+              <a:t>UI</a:t>
+            </a:r>
+            <a:endParaRPr lang="en-US" altLang="ko-KR">
+              <a:solidFill>
+                <a:schemeClr val="tx1"/>
+              </a:solidFill>
+            </a:endParaRPr>
+          </a:p>
+        </p:txBody>
+      </p:sp>
     </p:spTree>
     <p:extLst>
       <p:ext uri="{BB962C8B-B14F-4D97-AF65-F5344CB8AC3E}">
@@ -11401,6 +12311,866 @@
             <a:r>
               <a:rPr lang="ko-KR" altLang="en-US"/>
               <a:t> 인벤토리 </a:t>
+            </a:r>
+            <a:r>
+              <a:rPr lang="en-US" altLang="ko-KR"/>
+              <a:t>UI</a:t>
+            </a:r>
+            <a:endParaRPr lang="en-US" altLang="ko-KR"/>
+          </a:p>
+        </p:txBody>
+      </p:sp>
+      <p:sp>
+        <p:nvSpPr>
+          <p:cNvPr id="3" name="직사각형 2"/>
+          <p:cNvSpPr/>
+          <p:nvPr/>
+        </p:nvSpPr>
+        <p:spPr>
+          <a:xfrm>
+            <a:off x="626806" y="904362"/>
+            <a:ext cx="10989597" cy="5561371"/>
+          </a:xfrm>
+          <a:prstGeom prst="rect">
+            <a:avLst/>
+          </a:prstGeom>
+          <a:noFill/>
+          <a:ln>
+            <a:solidFill>
+              <a:schemeClr val="dk1"/>
+            </a:solidFill>
+          </a:ln>
+        </p:spPr>
+        <p:style>
+          <a:lnRef idx="2">
+            <a:schemeClr val="accent1">
+              <a:shade val="20000"/>
+            </a:schemeClr>
+          </a:lnRef>
+          <a:fillRef idx="1">
+            <a:schemeClr val="accent1"/>
+          </a:fillRef>
+          <a:effectRef idx="0">
+            <a:schemeClr val="accent1"/>
+          </a:effectRef>
+          <a:fontRef idx="minor">
+            <a:schemeClr val="lt1"/>
+          </a:fontRef>
+        </p:style>
+        <p:txBody>
+          <a:bodyPr anchor="ctr"/>
+          <a:p>
+            <a:pPr lvl="0" algn="ctr">
+              <a:defRPr/>
+            </a:pPr>
+            <a:endParaRPr lang="ko-KR" altLang="en-US">
+              <a:solidFill>
+                <a:schemeClr val="tx1"/>
+              </a:solidFill>
+            </a:endParaRPr>
+          </a:p>
+        </p:txBody>
+      </p:sp>
+      <p:sp>
+        <p:nvSpPr>
+          <p:cNvPr id="4" name="직사각형 3"/>
+          <p:cNvSpPr/>
+          <p:nvPr/>
+        </p:nvSpPr>
+        <p:spPr>
+          <a:xfrm>
+            <a:off x="964790" y="1744201"/>
+            <a:ext cx="4649839" cy="4496209"/>
+          </a:xfrm>
+          <a:prstGeom prst="rect">
+            <a:avLst/>
+          </a:prstGeom>
+          <a:noFill/>
+          <a:ln>
+            <a:solidFill>
+              <a:schemeClr val="dk1"/>
+            </a:solidFill>
+          </a:ln>
+        </p:spPr>
+        <p:style>
+          <a:lnRef idx="2">
+            <a:schemeClr val="accent1">
+              <a:shade val="20000"/>
+            </a:schemeClr>
+          </a:lnRef>
+          <a:fillRef idx="1">
+            <a:schemeClr val="accent1"/>
+          </a:fillRef>
+          <a:effectRef idx="0">
+            <a:schemeClr val="accent1"/>
+          </a:effectRef>
+          <a:fontRef idx="minor">
+            <a:schemeClr val="lt1"/>
+          </a:fontRef>
+        </p:style>
+        <p:txBody>
+          <a:bodyPr anchor="ctr"/>
+          <a:p>
+            <a:pPr lvl="0" algn="ctr">
+              <a:defRPr/>
+            </a:pPr>
+            <a:endParaRPr lang="ko-KR" altLang="en-US">
+              <a:solidFill>
+                <a:schemeClr val="tx1"/>
+              </a:solidFill>
+            </a:endParaRPr>
+          </a:p>
+        </p:txBody>
+      </p:sp>
+      <p:sp>
+        <p:nvSpPr>
+          <p:cNvPr id="5" name="직사각형 4"/>
+          <p:cNvSpPr/>
+          <p:nvPr/>
+        </p:nvSpPr>
+        <p:spPr>
+          <a:xfrm>
+            <a:off x="8774266" y="1744202"/>
+            <a:ext cx="2401734" cy="4496209"/>
+          </a:xfrm>
+          <a:prstGeom prst="rect">
+            <a:avLst/>
+          </a:prstGeom>
+          <a:noFill/>
+          <a:ln>
+            <a:solidFill>
+              <a:schemeClr val="dk1"/>
+            </a:solidFill>
+          </a:ln>
+        </p:spPr>
+        <p:style>
+          <a:lnRef idx="2">
+            <a:schemeClr val="accent1">
+              <a:shade val="20000"/>
+            </a:schemeClr>
+          </a:lnRef>
+          <a:fillRef idx="1">
+            <a:schemeClr val="accent1"/>
+          </a:fillRef>
+          <a:effectRef idx="0">
+            <a:schemeClr val="accent1"/>
+          </a:effectRef>
+          <a:fontRef idx="minor">
+            <a:schemeClr val="lt1"/>
+          </a:fontRef>
+        </p:style>
+        <p:txBody>
+          <a:bodyPr anchor="ctr"/>
+          <a:p>
+            <a:pPr lvl="0" algn="ctr">
+              <a:defRPr/>
+            </a:pPr>
+            <a:r>
+              <a:rPr lang="ko-KR" altLang="en-US">
+                <a:solidFill>
+                  <a:schemeClr val="tx1"/>
+                </a:solidFill>
+              </a:rPr>
+              <a:t>캐릭터 모습</a:t>
+            </a:r>
+            <a:endParaRPr lang="ko-KR" altLang="en-US">
+              <a:solidFill>
+                <a:schemeClr val="tx1"/>
+              </a:solidFill>
+            </a:endParaRPr>
+          </a:p>
+        </p:txBody>
+      </p:sp>
+      <p:sp>
+        <p:nvSpPr>
+          <p:cNvPr id="6" name="직사각형 5"/>
+          <p:cNvSpPr/>
+          <p:nvPr/>
+        </p:nvSpPr>
+        <p:spPr>
+          <a:xfrm>
+            <a:off x="6096000" y="1744202"/>
+            <a:ext cx="2401734" cy="4496209"/>
+          </a:xfrm>
+          <a:prstGeom prst="rect">
+            <a:avLst/>
+          </a:prstGeom>
+          <a:noFill/>
+          <a:ln>
+            <a:solidFill>
+              <a:schemeClr val="dk1"/>
+            </a:solidFill>
+          </a:ln>
+        </p:spPr>
+        <p:style>
+          <a:lnRef idx="2">
+            <a:schemeClr val="accent1">
+              <a:shade val="20000"/>
+            </a:schemeClr>
+          </a:lnRef>
+          <a:fillRef idx="1">
+            <a:schemeClr val="accent1"/>
+          </a:fillRef>
+          <a:effectRef idx="0">
+            <a:schemeClr val="accent1"/>
+          </a:effectRef>
+          <a:fontRef idx="minor">
+            <a:schemeClr val="lt1"/>
+          </a:fontRef>
+        </p:style>
+        <p:txBody>
+          <a:bodyPr anchor="ctr"/>
+          <a:p>
+            <a:pPr lvl="0" algn="ctr">
+              <a:defRPr/>
+            </a:pPr>
+            <a:endParaRPr lang="ko-KR" altLang="en-US">
+              <a:solidFill>
+                <a:schemeClr val="tx1"/>
+              </a:solidFill>
+            </a:endParaRPr>
+          </a:p>
+        </p:txBody>
+      </p:sp>
+      <p:sp>
+        <p:nvSpPr>
+          <p:cNvPr id="7" name="직사각형 6"/>
+          <p:cNvSpPr/>
+          <p:nvPr/>
+        </p:nvSpPr>
+        <p:spPr>
+          <a:xfrm>
+            <a:off x="964790" y="1160411"/>
+            <a:ext cx="4649839" cy="583790"/>
+          </a:xfrm>
+          <a:prstGeom prst="rect">
+            <a:avLst/>
+          </a:prstGeom>
+          <a:noFill/>
+          <a:ln>
+            <a:solidFill>
+              <a:schemeClr val="dk1"/>
+            </a:solidFill>
+          </a:ln>
+        </p:spPr>
+        <p:style>
+          <a:lnRef idx="2">
+            <a:schemeClr val="accent1">
+              <a:shade val="20000"/>
+            </a:schemeClr>
+          </a:lnRef>
+          <a:fillRef idx="1">
+            <a:schemeClr val="accent1"/>
+          </a:fillRef>
+          <a:effectRef idx="0">
+            <a:schemeClr val="accent1"/>
+          </a:effectRef>
+          <a:fontRef idx="minor">
+            <a:schemeClr val="lt1"/>
+          </a:fontRef>
+        </p:style>
+        <p:txBody>
+          <a:bodyPr anchor="ctr"/>
+          <a:p>
+            <a:pPr lvl="0" algn="ctr">
+              <a:defRPr/>
+            </a:pPr>
+            <a:r>
+              <a:rPr lang="ko-KR" altLang="en-US">
+                <a:solidFill>
+                  <a:schemeClr val="tx1"/>
+                </a:solidFill>
+              </a:rPr>
+              <a:t>아이템 종류</a:t>
+            </a:r>
+            <a:r>
+              <a:rPr lang="en-US" altLang="ko-KR">
+                <a:solidFill>
+                  <a:schemeClr val="tx1"/>
+                </a:solidFill>
+              </a:rPr>
+              <a:t>(</a:t>
+            </a:r>
+            <a:r>
+              <a:rPr lang="ko-KR" altLang="en-US">
+                <a:solidFill>
+                  <a:schemeClr val="tx1"/>
+                </a:solidFill>
+              </a:rPr>
+              <a:t>무기</a:t>
+            </a:r>
+            <a:r>
+              <a:rPr lang="en-US" altLang="ko-KR">
+                <a:solidFill>
+                  <a:schemeClr val="tx1"/>
+                </a:solidFill>
+              </a:rPr>
+              <a:t>,</a:t>
+            </a:r>
+            <a:r>
+              <a:rPr lang="ko-KR" altLang="en-US">
+                <a:solidFill>
+                  <a:schemeClr val="tx1"/>
+                </a:solidFill>
+              </a:rPr>
+              <a:t> 재료 등등</a:t>
+            </a:r>
+            <a:r>
+              <a:rPr lang="en-US" altLang="ko-KR">
+                <a:solidFill>
+                  <a:schemeClr val="tx1"/>
+                </a:solidFill>
+              </a:rPr>
+              <a:t>)</a:t>
+            </a:r>
+            <a:endParaRPr lang="en-US" altLang="ko-KR">
+              <a:solidFill>
+                <a:schemeClr val="tx1"/>
+              </a:solidFill>
+            </a:endParaRPr>
+          </a:p>
+        </p:txBody>
+      </p:sp>
+      <p:sp>
+        <p:nvSpPr>
+          <p:cNvPr id="8" name="직사각형 7"/>
+          <p:cNvSpPr/>
+          <p:nvPr/>
+        </p:nvSpPr>
+        <p:spPr>
+          <a:xfrm>
+            <a:off x="1210596" y="2051459"/>
+            <a:ext cx="872202" cy="798871"/>
+          </a:xfrm>
+          <a:prstGeom prst="rect">
+            <a:avLst/>
+          </a:prstGeom>
+          <a:noFill/>
+          <a:ln>
+            <a:solidFill>
+              <a:schemeClr val="dk1"/>
+            </a:solidFill>
+          </a:ln>
+        </p:spPr>
+        <p:style>
+          <a:lnRef idx="2">
+            <a:schemeClr val="accent1">
+              <a:shade val="20000"/>
+            </a:schemeClr>
+          </a:lnRef>
+          <a:fillRef idx="1">
+            <a:schemeClr val="accent1"/>
+          </a:fillRef>
+          <a:effectRef idx="0">
+            <a:schemeClr val="accent1"/>
+          </a:effectRef>
+          <a:fontRef idx="minor">
+            <a:schemeClr val="lt1"/>
+          </a:fontRef>
+        </p:style>
+        <p:txBody>
+          <a:bodyPr anchor="ctr"/>
+          <a:p>
+            <a:pPr lvl="0" algn="ctr">
+              <a:defRPr/>
+            </a:pPr>
+            <a:r>
+              <a:rPr lang="ko-KR" altLang="en-US">
+                <a:solidFill>
+                  <a:schemeClr val="tx1"/>
+                </a:solidFill>
+              </a:rPr>
+              <a:t>아이템</a:t>
+            </a:r>
+            <a:endParaRPr lang="ko-KR" altLang="en-US">
+              <a:solidFill>
+                <a:schemeClr val="tx1"/>
+              </a:solidFill>
+            </a:endParaRPr>
+          </a:p>
+        </p:txBody>
+      </p:sp>
+      <p:sp>
+        <p:nvSpPr>
+          <p:cNvPr id="9" name="직사각형 8"/>
+          <p:cNvSpPr/>
+          <p:nvPr/>
+        </p:nvSpPr>
+        <p:spPr>
+          <a:xfrm>
+            <a:off x="2417507" y="2051459"/>
+            <a:ext cx="872202" cy="798871"/>
+          </a:xfrm>
+          <a:prstGeom prst="rect">
+            <a:avLst/>
+          </a:prstGeom>
+          <a:noFill/>
+          <a:ln>
+            <a:solidFill>
+              <a:schemeClr val="dk1"/>
+            </a:solidFill>
+          </a:ln>
+        </p:spPr>
+        <p:style>
+          <a:lnRef idx="2">
+            <a:schemeClr val="accent1">
+              <a:shade val="20000"/>
+            </a:schemeClr>
+          </a:lnRef>
+          <a:fillRef idx="1">
+            <a:schemeClr val="accent1"/>
+          </a:fillRef>
+          <a:effectRef idx="0">
+            <a:schemeClr val="accent1"/>
+          </a:effectRef>
+          <a:fontRef idx="minor">
+            <a:schemeClr val="lt1"/>
+          </a:fontRef>
+        </p:style>
+        <p:txBody>
+          <a:bodyPr anchor="ctr"/>
+          <a:p>
+            <a:pPr lvl="0" algn="ctr">
+              <a:defRPr/>
+            </a:pPr>
+            <a:r>
+              <a:rPr lang="ko-KR" altLang="en-US">
+                <a:solidFill>
+                  <a:schemeClr val="tx1"/>
+                </a:solidFill>
+              </a:rPr>
+              <a:t>아이템</a:t>
+            </a:r>
+            <a:endParaRPr lang="ko-KR" altLang="en-US">
+              <a:solidFill>
+                <a:schemeClr val="tx1"/>
+              </a:solidFill>
+            </a:endParaRPr>
+          </a:p>
+        </p:txBody>
+      </p:sp>
+      <p:sp>
+        <p:nvSpPr>
+          <p:cNvPr id="10" name="직사각형 9"/>
+          <p:cNvSpPr/>
+          <p:nvPr/>
+        </p:nvSpPr>
+        <p:spPr>
+          <a:xfrm>
+            <a:off x="3605572" y="2051459"/>
+            <a:ext cx="872202" cy="798871"/>
+          </a:xfrm>
+          <a:prstGeom prst="rect">
+            <a:avLst/>
+          </a:prstGeom>
+          <a:noFill/>
+          <a:ln>
+            <a:solidFill>
+              <a:schemeClr val="dk1"/>
+            </a:solidFill>
+          </a:ln>
+        </p:spPr>
+        <p:style>
+          <a:lnRef idx="2">
+            <a:schemeClr val="accent1">
+              <a:shade val="20000"/>
+            </a:schemeClr>
+          </a:lnRef>
+          <a:fillRef idx="1">
+            <a:schemeClr val="accent1"/>
+          </a:fillRef>
+          <a:effectRef idx="0">
+            <a:schemeClr val="accent1"/>
+          </a:effectRef>
+          <a:fontRef idx="minor">
+            <a:schemeClr val="lt1"/>
+          </a:fontRef>
+        </p:style>
+        <p:txBody>
+          <a:bodyPr anchor="ctr"/>
+          <a:p>
+            <a:pPr lvl="0" algn="ctr">
+              <a:defRPr/>
+            </a:pPr>
+            <a:r>
+              <a:rPr lang="ko-KR" altLang="en-US">
+                <a:solidFill>
+                  <a:schemeClr val="tx1"/>
+                </a:solidFill>
+              </a:rPr>
+              <a:t>아이템</a:t>
+            </a:r>
+            <a:endParaRPr lang="ko-KR" altLang="en-US">
+              <a:solidFill>
+                <a:schemeClr val="tx1"/>
+              </a:solidFill>
+            </a:endParaRPr>
+          </a:p>
+        </p:txBody>
+      </p:sp>
+      <p:sp>
+        <p:nvSpPr>
+          <p:cNvPr id="11" name="가로 글상자 10"/>
+          <p:cNvSpPr txBox="1"/>
+          <p:nvPr/>
+        </p:nvSpPr>
+        <p:spPr>
+          <a:xfrm>
+            <a:off x="4477775" y="2218961"/>
+            <a:ext cx="952500" cy="465184"/>
+          </a:xfrm>
+          <a:prstGeom prst="rect">
+            <a:avLst/>
+          </a:prstGeom>
+        </p:spPr>
+        <p:txBody>
+          <a:bodyPr wrap="square">
+            <a:spAutoFit/>
+          </a:bodyPr>
+          <a:p>
+            <a:pPr lvl="0" algn="ctr">
+              <a:defRPr/>
+            </a:pPr>
+            <a:r>
+              <a:rPr lang="en-US" altLang="ko-KR" sz="2500"/>
+              <a:t>...</a:t>
+            </a:r>
+            <a:endParaRPr lang="en-US" altLang="ko-KR" sz="2500"/>
+          </a:p>
+        </p:txBody>
+      </p:sp>
+      <p:sp>
+        <p:nvSpPr>
+          <p:cNvPr id="16" name="직사각형 15"/>
+          <p:cNvSpPr/>
+          <p:nvPr/>
+        </p:nvSpPr>
+        <p:spPr>
+          <a:xfrm>
+            <a:off x="7015214" y="2385146"/>
+            <a:ext cx="563306" cy="465184"/>
+          </a:xfrm>
+          <a:prstGeom prst="rect">
+            <a:avLst/>
+          </a:prstGeom>
+          <a:noFill/>
+          <a:ln>
+            <a:solidFill>
+              <a:schemeClr val="dk1"/>
+            </a:solidFill>
+          </a:ln>
+        </p:spPr>
+        <p:style>
+          <a:lnRef idx="2">
+            <a:schemeClr val="accent1">
+              <a:shade val="20000"/>
+            </a:schemeClr>
+          </a:lnRef>
+          <a:fillRef idx="1">
+            <a:schemeClr val="accent1"/>
+          </a:fillRef>
+          <a:effectRef idx="0">
+            <a:schemeClr val="accent1"/>
+          </a:effectRef>
+          <a:fontRef idx="minor">
+            <a:schemeClr val="lt1"/>
+          </a:fontRef>
+        </p:style>
+        <p:txBody>
+          <a:bodyPr anchor="ctr"/>
+          <a:p>
+            <a:pPr lvl="0" algn="ctr">
+              <a:defRPr/>
+            </a:pPr>
+            <a:endParaRPr lang="ko-KR" altLang="en-US">
+              <a:solidFill>
+                <a:schemeClr val="tx1"/>
+              </a:solidFill>
+            </a:endParaRPr>
+          </a:p>
+        </p:txBody>
+      </p:sp>
+      <p:sp>
+        <p:nvSpPr>
+          <p:cNvPr id="17" name="직사각형 16"/>
+          <p:cNvSpPr/>
+          <p:nvPr/>
+        </p:nvSpPr>
+        <p:spPr>
+          <a:xfrm>
+            <a:off x="7015214" y="3196408"/>
+            <a:ext cx="563306" cy="465184"/>
+          </a:xfrm>
+          <a:prstGeom prst="rect">
+            <a:avLst/>
+          </a:prstGeom>
+          <a:noFill/>
+          <a:ln>
+            <a:solidFill>
+              <a:schemeClr val="dk1"/>
+            </a:solidFill>
+          </a:ln>
+        </p:spPr>
+        <p:style>
+          <a:lnRef idx="2">
+            <a:schemeClr val="accent1">
+              <a:shade val="20000"/>
+            </a:schemeClr>
+          </a:lnRef>
+          <a:fillRef idx="1">
+            <a:schemeClr val="accent1"/>
+          </a:fillRef>
+          <a:effectRef idx="0">
+            <a:schemeClr val="accent1"/>
+          </a:effectRef>
+          <a:fontRef idx="minor">
+            <a:schemeClr val="lt1"/>
+          </a:fontRef>
+        </p:style>
+        <p:txBody>
+          <a:bodyPr anchor="ctr"/>
+          <a:p>
+            <a:pPr lvl="0" algn="ctr">
+              <a:defRPr/>
+            </a:pPr>
+            <a:endParaRPr lang="ko-KR" altLang="en-US">
+              <a:solidFill>
+                <a:schemeClr val="tx1"/>
+              </a:solidFill>
+            </a:endParaRPr>
+          </a:p>
+        </p:txBody>
+      </p:sp>
+      <p:sp>
+        <p:nvSpPr>
+          <p:cNvPr id="18" name="직사각형 17"/>
+          <p:cNvSpPr/>
+          <p:nvPr/>
+        </p:nvSpPr>
+        <p:spPr>
+          <a:xfrm>
+            <a:off x="6226585" y="3196408"/>
+            <a:ext cx="563306" cy="465184"/>
+          </a:xfrm>
+          <a:prstGeom prst="rect">
+            <a:avLst/>
+          </a:prstGeom>
+          <a:noFill/>
+          <a:ln>
+            <a:solidFill>
+              <a:schemeClr val="dk1"/>
+            </a:solidFill>
+          </a:ln>
+        </p:spPr>
+        <p:style>
+          <a:lnRef idx="2">
+            <a:schemeClr val="accent1">
+              <a:shade val="20000"/>
+            </a:schemeClr>
+          </a:lnRef>
+          <a:fillRef idx="1">
+            <a:schemeClr val="accent1"/>
+          </a:fillRef>
+          <a:effectRef idx="0">
+            <a:schemeClr val="accent1"/>
+          </a:effectRef>
+          <a:fontRef idx="minor">
+            <a:schemeClr val="lt1"/>
+          </a:fontRef>
+        </p:style>
+        <p:txBody>
+          <a:bodyPr anchor="ctr"/>
+          <a:p>
+            <a:pPr lvl="0" algn="ctr">
+              <a:defRPr/>
+            </a:pPr>
+            <a:endParaRPr lang="ko-KR" altLang="en-US">
+              <a:solidFill>
+                <a:schemeClr val="tx1"/>
+              </a:solidFill>
+            </a:endParaRPr>
+          </a:p>
+        </p:txBody>
+      </p:sp>
+      <p:sp>
+        <p:nvSpPr>
+          <p:cNvPr id="19" name="직사각형 18"/>
+          <p:cNvSpPr/>
+          <p:nvPr/>
+        </p:nvSpPr>
+        <p:spPr>
+          <a:xfrm>
+            <a:off x="7814084" y="3196408"/>
+            <a:ext cx="563306" cy="465184"/>
+          </a:xfrm>
+          <a:prstGeom prst="rect">
+            <a:avLst/>
+          </a:prstGeom>
+          <a:noFill/>
+          <a:ln>
+            <a:solidFill>
+              <a:schemeClr val="dk1"/>
+            </a:solidFill>
+          </a:ln>
+        </p:spPr>
+        <p:style>
+          <a:lnRef idx="2">
+            <a:schemeClr val="accent1">
+              <a:shade val="20000"/>
+            </a:schemeClr>
+          </a:lnRef>
+          <a:fillRef idx="1">
+            <a:schemeClr val="accent1"/>
+          </a:fillRef>
+          <a:effectRef idx="0">
+            <a:schemeClr val="accent1"/>
+          </a:effectRef>
+          <a:fontRef idx="minor">
+            <a:schemeClr val="lt1"/>
+          </a:fontRef>
+        </p:style>
+        <p:txBody>
+          <a:bodyPr anchor="ctr"/>
+          <a:p>
+            <a:pPr lvl="0" algn="ctr">
+              <a:defRPr/>
+            </a:pPr>
+            <a:endParaRPr lang="ko-KR" altLang="en-US">
+              <a:solidFill>
+                <a:schemeClr val="tx1"/>
+              </a:solidFill>
+            </a:endParaRPr>
+          </a:p>
+        </p:txBody>
+      </p:sp>
+      <p:sp>
+        <p:nvSpPr>
+          <p:cNvPr id="20" name="직사각형 19"/>
+          <p:cNvSpPr/>
+          <p:nvPr/>
+        </p:nvSpPr>
+        <p:spPr>
+          <a:xfrm>
+            <a:off x="6733561" y="3992306"/>
+            <a:ext cx="563306" cy="465184"/>
+          </a:xfrm>
+          <a:prstGeom prst="rect">
+            <a:avLst/>
+          </a:prstGeom>
+          <a:noFill/>
+          <a:ln>
+            <a:solidFill>
+              <a:schemeClr val="dk1"/>
+            </a:solidFill>
+          </a:ln>
+        </p:spPr>
+        <p:style>
+          <a:lnRef idx="2">
+            <a:schemeClr val="accent1">
+              <a:shade val="20000"/>
+            </a:schemeClr>
+          </a:lnRef>
+          <a:fillRef idx="1">
+            <a:schemeClr val="accent1"/>
+          </a:fillRef>
+          <a:effectRef idx="0">
+            <a:schemeClr val="accent1"/>
+          </a:effectRef>
+          <a:fontRef idx="minor">
+            <a:schemeClr val="lt1"/>
+          </a:fontRef>
+        </p:style>
+        <p:txBody>
+          <a:bodyPr anchor="ctr"/>
+          <a:p>
+            <a:pPr lvl="0" algn="ctr">
+              <a:defRPr/>
+            </a:pPr>
+            <a:endParaRPr lang="ko-KR" altLang="en-US">
+              <a:solidFill>
+                <a:schemeClr val="tx1"/>
+              </a:solidFill>
+            </a:endParaRPr>
+          </a:p>
+        </p:txBody>
+      </p:sp>
+      <p:sp>
+        <p:nvSpPr>
+          <p:cNvPr id="21" name="직사각형 20"/>
+          <p:cNvSpPr/>
+          <p:nvPr/>
+        </p:nvSpPr>
+        <p:spPr>
+          <a:xfrm>
+            <a:off x="7532431" y="3992306"/>
+            <a:ext cx="563306" cy="465184"/>
+          </a:xfrm>
+          <a:prstGeom prst="rect">
+            <a:avLst/>
+          </a:prstGeom>
+          <a:noFill/>
+          <a:ln>
+            <a:solidFill>
+              <a:schemeClr val="dk1"/>
+            </a:solidFill>
+          </a:ln>
+        </p:spPr>
+        <p:style>
+          <a:lnRef idx="2">
+            <a:schemeClr val="accent1">
+              <a:shade val="20000"/>
+            </a:schemeClr>
+          </a:lnRef>
+          <a:fillRef idx="1">
+            <a:schemeClr val="accent1"/>
+          </a:fillRef>
+          <a:effectRef idx="0">
+            <a:schemeClr val="accent1"/>
+          </a:effectRef>
+          <a:fontRef idx="minor">
+            <a:schemeClr val="lt1"/>
+          </a:fontRef>
+        </p:style>
+        <p:txBody>
+          <a:bodyPr anchor="ctr"/>
+          <a:p>
+            <a:pPr lvl="0" algn="ctr">
+              <a:defRPr/>
+            </a:pPr>
+            <a:endParaRPr lang="ko-KR" altLang="en-US">
+              <a:solidFill>
+                <a:schemeClr val="tx1"/>
+              </a:solidFill>
+            </a:endParaRPr>
+          </a:p>
+        </p:txBody>
+      </p:sp>
+      <p:sp>
+        <p:nvSpPr>
+          <p:cNvPr id="22" name="가로 글상자 21"/>
+          <p:cNvSpPr txBox="1"/>
+          <p:nvPr/>
+        </p:nvSpPr>
+        <p:spPr>
+          <a:xfrm>
+            <a:off x="6341806" y="4857750"/>
+            <a:ext cx="2035584" cy="636270"/>
+          </a:xfrm>
+          <a:prstGeom prst="rect">
+            <a:avLst/>
+          </a:prstGeom>
+        </p:spPr>
+        <p:txBody>
+          <a:bodyPr wrap="square">
+            <a:spAutoFit/>
+          </a:bodyPr>
+          <a:p>
+            <a:pPr lvl="0" algn="ctr">
+              <a:defRPr/>
+            </a:pPr>
+            <a:r>
+              <a:rPr lang="ko-KR" altLang="en-US"/>
+              <a:t>아이템 장착 여부 파악 </a:t>
             </a:r>
             <a:r>
               <a:rPr lang="en-US" altLang="ko-KR"/>
@@ -13408,7 +15178,7 @@
               </a:pPr>
               <a:r>
                 <a:rPr lang="ko-KR" altLang="en-US" sz="1500"/>
-                <a:t>플레이어 화면</a:t>
+                <a:t>인게임 화면</a:t>
               </a:r>
               <a:endParaRPr lang="ko-KR" altLang="en-US" sz="1500"/>
             </a:p>

--- a/PROJECT_RE_UI배치도.pptx
+++ b/PROJECT_RE_UI배치도.pptx
@@ -25,8 +25,6 @@
     <p:sldId id="265" r:id="rId17"/>
     <p:sldId id="274" r:id="rId18"/>
     <p:sldId id="266" r:id="rId19"/>
-    <p:sldId id="270" r:id="rId20"/>
-    <p:sldId id="271" r:id="rId21"/>
   </p:sldIdLst>
   <p:sldSz cx="12192000" cy="6858000"/>
   <p:notesSz cx="6858000" cy="9144000"/>
@@ -4153,7 +4151,17 @@
               <a:rPr lang="ko-KR" altLang="en-US" sz="5000"/>
               <a:t>배치</a:t>
             </a:r>
-            <a:endParaRPr lang="ko-KR" altLang="en-US" sz="5000"/>
+            <a:br>
+              <a:rPr lang="ko-KR" altLang="en-US" sz="5000"/>
+            </a:br>
+            <a:br>
+              <a:rPr lang="ko-KR" altLang="en-US" sz="5000"/>
+            </a:br>
+            <a:r>
+              <a:rPr lang="en-US" altLang="ko-KR" sz="5000"/>
+              <a:t>1. Rust &amp; Revolt (R&amp;R)</a:t>
+            </a:r>
+            <a:endParaRPr lang="en-US" altLang="ko-KR" sz="5000"/>
           </a:p>
         </p:txBody>
       </p:sp>
@@ -8503,6 +8511,73 @@
           </a:p>
         </p:txBody>
       </p:sp>
+      <p:cxnSp>
+        <p:nvCxnSpPr>
+          <p:cNvPr id="42" name="화살표 41"/>
+          <p:cNvCxnSpPr/>
+          <p:nvPr/>
+        </p:nvCxnSpPr>
+        <p:spPr>
+          <a:xfrm>
+            <a:off x="4621161" y="6291620"/>
+            <a:ext cx="604274" cy="0"/>
+          </a:xfrm>
+          <a:prstGeom prst="straightConnector1">
+            <a:avLst/>
+          </a:prstGeom>
+          <a:ln>
+            <a:solidFill>
+              <a:schemeClr val="dk1"/>
+            </a:solidFill>
+            <a:tailEnd type="arrow"/>
+          </a:ln>
+        </p:spPr>
+        <p:style>
+          <a:lnRef idx="1">
+            <a:schemeClr val="accent1"/>
+          </a:lnRef>
+          <a:fillRef idx="0">
+            <a:schemeClr val="accent1"/>
+          </a:fillRef>
+          <a:effectRef idx="0">
+            <a:schemeClr val="accent1"/>
+          </a:effectRef>
+          <a:fontRef idx="minor">
+            <a:schemeClr val="tx1"/>
+          </a:fontRef>
+        </p:style>
+      </p:cxnSp>
+      <p:sp>
+        <p:nvSpPr>
+          <p:cNvPr id="43" name="가로 글상자 42"/>
+          <p:cNvSpPr txBox="1"/>
+          <p:nvPr/>
+        </p:nvSpPr>
+        <p:spPr>
+          <a:xfrm>
+            <a:off x="5420032" y="6127749"/>
+            <a:ext cx="2529758" cy="360804"/>
+          </a:xfrm>
+          <a:prstGeom prst="rect">
+            <a:avLst/>
+          </a:prstGeom>
+        </p:spPr>
+        <p:txBody>
+          <a:bodyPr wrap="square">
+            <a:spAutoFit/>
+          </a:bodyPr>
+          <a:p>
+            <a:pPr lvl="0">
+              <a:defRPr/>
+            </a:pPr>
+            <a:r>
+              <a:rPr lang="ko-KR" altLang="en-US"/>
+              <a:t>개발 중 달라질 수 있음</a:t>
+            </a:r>
+            <a:endParaRPr lang="ko-KR" altLang="en-US"/>
+          </a:p>
+        </p:txBody>
+      </p:sp>
     </p:spTree>
     <p:extLst>
       <p:ext uri="{BB962C8B-B14F-4D97-AF65-F5344CB8AC3E}">
@@ -13222,16 +13297,923 @@
         </p:nvSpPr>
         <p:spPr/>
         <p:txBody>
-          <a:bodyPr/>
+          <a:bodyPr>
+            <a:normAutofit fontScale="90000"/>
+          </a:bodyPr>
           <a:p>
             <a:pPr lvl="0">
               <a:defRPr/>
             </a:pPr>
             <a:r>
+              <a:rPr lang="en-US" altLang="ko-KR"/>
+              <a:t>3.6</a:t>
+            </a:r>
+            <a:r>
               <a:rPr lang="ko-KR" altLang="en-US"/>
-              <a:t/>
-            </a:r>
-            <a:endParaRPr lang="ko-KR" altLang="en-US"/>
+              <a:t> 인게임 화면 </a:t>
+            </a:r>
+            <a:r>
+              <a:rPr lang="en-US" altLang="ko-KR"/>
+              <a:t>UI</a:t>
+            </a:r>
+            <a:endParaRPr lang="en-US" altLang="ko-KR"/>
+          </a:p>
+        </p:txBody>
+      </p:sp>
+      <p:sp>
+        <p:nvSpPr>
+          <p:cNvPr id="3" name="직사각형 2"/>
+          <p:cNvSpPr/>
+          <p:nvPr/>
+        </p:nvSpPr>
+        <p:spPr>
+          <a:xfrm>
+            <a:off x="534627" y="4786056"/>
+            <a:ext cx="1321211" cy="491613"/>
+          </a:xfrm>
+          <a:prstGeom prst="rect">
+            <a:avLst/>
+          </a:prstGeom>
+          <a:noFill/>
+          <a:ln>
+            <a:solidFill>
+              <a:schemeClr val="dk1"/>
+            </a:solidFill>
+          </a:ln>
+        </p:spPr>
+        <p:style>
+          <a:lnRef idx="2">
+            <a:schemeClr val="accent1">
+              <a:shade val="20000"/>
+            </a:schemeClr>
+          </a:lnRef>
+          <a:fillRef idx="1">
+            <a:schemeClr val="accent1"/>
+          </a:fillRef>
+          <a:effectRef idx="0">
+            <a:schemeClr val="accent1"/>
+          </a:effectRef>
+          <a:fontRef idx="minor">
+            <a:schemeClr val="lt1"/>
+          </a:fontRef>
+        </p:style>
+        <p:txBody>
+          <a:bodyPr anchor="ctr"/>
+          <a:lstStyle/>
+          <a:p>
+            <a:pPr lvl="0" algn="ctr">
+              <a:defRPr/>
+            </a:pPr>
+            <a:r>
+              <a:rPr lang="en-US" altLang="ko-KR">
+                <a:solidFill>
+                  <a:schemeClr val="tx1"/>
+                </a:solidFill>
+              </a:rPr>
+              <a:t>HP</a:t>
+            </a:r>
+            <a:endParaRPr lang="en-US" altLang="ko-KR">
+              <a:solidFill>
+                <a:schemeClr val="tx1"/>
+              </a:solidFill>
+            </a:endParaRPr>
+          </a:p>
+        </p:txBody>
+      </p:sp>
+      <p:sp>
+        <p:nvSpPr>
+          <p:cNvPr id="4" name="직사각형 3"/>
+          <p:cNvSpPr/>
+          <p:nvPr/>
+        </p:nvSpPr>
+        <p:spPr>
+          <a:xfrm>
+            <a:off x="534627" y="5451782"/>
+            <a:ext cx="1321211" cy="491613"/>
+          </a:xfrm>
+          <a:prstGeom prst="rect">
+            <a:avLst/>
+          </a:prstGeom>
+          <a:noFill/>
+          <a:ln>
+            <a:solidFill>
+              <a:schemeClr val="dk1"/>
+            </a:solidFill>
+          </a:ln>
+        </p:spPr>
+        <p:style>
+          <a:lnRef idx="2">
+            <a:schemeClr val="accent1">
+              <a:shade val="20000"/>
+            </a:schemeClr>
+          </a:lnRef>
+          <a:fillRef idx="1">
+            <a:schemeClr val="accent1"/>
+          </a:fillRef>
+          <a:effectRef idx="0">
+            <a:schemeClr val="accent1"/>
+          </a:effectRef>
+          <a:fontRef idx="minor">
+            <a:schemeClr val="lt1"/>
+          </a:fontRef>
+        </p:style>
+        <p:txBody>
+          <a:bodyPr anchor="ctr"/>
+          <a:lstStyle/>
+          <a:p>
+            <a:pPr lvl="0" algn="ctr">
+              <a:defRPr/>
+            </a:pPr>
+            <a:r>
+              <a:rPr lang="en-US" altLang="ko-KR">
+                <a:solidFill>
+                  <a:schemeClr val="tx1"/>
+                </a:solidFill>
+              </a:rPr>
+              <a:t>STAMINA</a:t>
+            </a:r>
+            <a:endParaRPr lang="en-US" altLang="ko-KR">
+              <a:solidFill>
+                <a:schemeClr val="tx1"/>
+              </a:solidFill>
+            </a:endParaRPr>
+          </a:p>
+        </p:txBody>
+      </p:sp>
+      <p:sp>
+        <p:nvSpPr>
+          <p:cNvPr id="5" name="직사각형 4"/>
+          <p:cNvSpPr/>
+          <p:nvPr/>
+        </p:nvSpPr>
+        <p:spPr>
+          <a:xfrm>
+            <a:off x="534627" y="6127749"/>
+            <a:ext cx="348227" cy="327742"/>
+          </a:xfrm>
+          <a:prstGeom prst="rect">
+            <a:avLst/>
+          </a:prstGeom>
+          <a:noFill/>
+          <a:ln>
+            <a:solidFill>
+              <a:schemeClr val="dk1"/>
+            </a:solidFill>
+          </a:ln>
+        </p:spPr>
+        <p:style>
+          <a:lnRef idx="2">
+            <a:schemeClr val="accent1">
+              <a:shade val="20000"/>
+            </a:schemeClr>
+          </a:lnRef>
+          <a:fillRef idx="1">
+            <a:schemeClr val="accent1"/>
+          </a:fillRef>
+          <a:effectRef idx="0">
+            <a:schemeClr val="accent1"/>
+          </a:effectRef>
+          <a:fontRef idx="minor">
+            <a:schemeClr val="lt1"/>
+          </a:fontRef>
+        </p:style>
+        <p:txBody>
+          <a:bodyPr anchor="ctr"/>
+          <a:lstStyle/>
+          <a:p>
+            <a:pPr lvl="0" algn="ctr">
+              <a:defRPr/>
+            </a:pPr>
+            <a:r>
+              <a:rPr lang="en-US" altLang="ko-KR">
+                <a:solidFill>
+                  <a:schemeClr val="tx1"/>
+                </a:solidFill>
+              </a:rPr>
+              <a:t>1</a:t>
+            </a:r>
+            <a:endParaRPr lang="en-US" altLang="ko-KR">
+              <a:solidFill>
+                <a:schemeClr val="tx1"/>
+              </a:solidFill>
+            </a:endParaRPr>
+          </a:p>
+        </p:txBody>
+      </p:sp>
+      <p:sp>
+        <p:nvSpPr>
+          <p:cNvPr id="6" name="직사각형 5"/>
+          <p:cNvSpPr/>
+          <p:nvPr/>
+        </p:nvSpPr>
+        <p:spPr>
+          <a:xfrm>
+            <a:off x="1021119" y="6127749"/>
+            <a:ext cx="348227" cy="327742"/>
+          </a:xfrm>
+          <a:prstGeom prst="rect">
+            <a:avLst/>
+          </a:prstGeom>
+          <a:noFill/>
+          <a:ln>
+            <a:solidFill>
+              <a:schemeClr val="dk1"/>
+            </a:solidFill>
+          </a:ln>
+        </p:spPr>
+        <p:style>
+          <a:lnRef idx="2">
+            <a:schemeClr val="accent1">
+              <a:shade val="20000"/>
+            </a:schemeClr>
+          </a:lnRef>
+          <a:fillRef idx="1">
+            <a:schemeClr val="accent1"/>
+          </a:fillRef>
+          <a:effectRef idx="0">
+            <a:schemeClr val="accent1"/>
+          </a:effectRef>
+          <a:fontRef idx="minor">
+            <a:schemeClr val="lt1"/>
+          </a:fontRef>
+        </p:style>
+        <p:txBody>
+          <a:bodyPr anchor="ctr"/>
+          <a:lstStyle/>
+          <a:p>
+            <a:pPr lvl="0" algn="ctr">
+              <a:defRPr/>
+            </a:pPr>
+            <a:r>
+              <a:rPr lang="en-US" altLang="ko-KR">
+                <a:solidFill>
+                  <a:schemeClr val="tx1"/>
+                </a:solidFill>
+              </a:rPr>
+              <a:t>2</a:t>
+            </a:r>
+            <a:endParaRPr lang="en-US" altLang="ko-KR">
+              <a:solidFill>
+                <a:schemeClr val="tx1"/>
+              </a:solidFill>
+            </a:endParaRPr>
+          </a:p>
+        </p:txBody>
+      </p:sp>
+      <p:sp>
+        <p:nvSpPr>
+          <p:cNvPr id="7" name="직사각형 6"/>
+          <p:cNvSpPr/>
+          <p:nvPr/>
+        </p:nvSpPr>
+        <p:spPr>
+          <a:xfrm>
+            <a:off x="1507611" y="6127749"/>
+            <a:ext cx="348227" cy="327742"/>
+          </a:xfrm>
+          <a:prstGeom prst="rect">
+            <a:avLst/>
+          </a:prstGeom>
+          <a:noFill/>
+          <a:ln>
+            <a:solidFill>
+              <a:schemeClr val="dk1"/>
+            </a:solidFill>
+          </a:ln>
+        </p:spPr>
+        <p:style>
+          <a:lnRef idx="2">
+            <a:schemeClr val="accent1">
+              <a:shade val="20000"/>
+            </a:schemeClr>
+          </a:lnRef>
+          <a:fillRef idx="1">
+            <a:schemeClr val="accent1"/>
+          </a:fillRef>
+          <a:effectRef idx="0">
+            <a:schemeClr val="accent1"/>
+          </a:effectRef>
+          <a:fontRef idx="minor">
+            <a:schemeClr val="lt1"/>
+          </a:fontRef>
+        </p:style>
+        <p:txBody>
+          <a:bodyPr anchor="ctr"/>
+          <a:lstStyle/>
+          <a:p>
+            <a:pPr lvl="0" algn="ctr">
+              <a:defRPr/>
+            </a:pPr>
+            <a:r>
+              <a:rPr lang="en-US" altLang="ko-KR">
+                <a:solidFill>
+                  <a:schemeClr val="tx1"/>
+                </a:solidFill>
+              </a:rPr>
+              <a:t>3</a:t>
+            </a:r>
+            <a:endParaRPr lang="en-US" altLang="ko-KR">
+              <a:solidFill>
+                <a:schemeClr val="tx1"/>
+              </a:solidFill>
+            </a:endParaRPr>
+          </a:p>
+        </p:txBody>
+      </p:sp>
+      <p:sp>
+        <p:nvSpPr>
+          <p:cNvPr id="8" name="직사각형 7"/>
+          <p:cNvSpPr/>
+          <p:nvPr/>
+        </p:nvSpPr>
+        <p:spPr>
+          <a:xfrm>
+            <a:off x="1994103" y="6127749"/>
+            <a:ext cx="348227" cy="327742"/>
+          </a:xfrm>
+          <a:prstGeom prst="rect">
+            <a:avLst/>
+          </a:prstGeom>
+          <a:noFill/>
+          <a:ln>
+            <a:solidFill>
+              <a:schemeClr val="dk1"/>
+            </a:solidFill>
+          </a:ln>
+        </p:spPr>
+        <p:style>
+          <a:lnRef idx="2">
+            <a:schemeClr val="accent1">
+              <a:shade val="20000"/>
+            </a:schemeClr>
+          </a:lnRef>
+          <a:fillRef idx="1">
+            <a:schemeClr val="accent1"/>
+          </a:fillRef>
+          <a:effectRef idx="0">
+            <a:schemeClr val="accent1"/>
+          </a:effectRef>
+          <a:fontRef idx="minor">
+            <a:schemeClr val="lt1"/>
+          </a:fontRef>
+        </p:style>
+        <p:txBody>
+          <a:bodyPr anchor="ctr"/>
+          <a:lstStyle/>
+          <a:p>
+            <a:pPr lvl="0" algn="ctr">
+              <a:defRPr/>
+            </a:pPr>
+            <a:r>
+              <a:rPr lang="en-US" altLang="ko-KR">
+                <a:solidFill>
+                  <a:schemeClr val="tx1"/>
+                </a:solidFill>
+              </a:rPr>
+              <a:t>4</a:t>
+            </a:r>
+            <a:endParaRPr lang="en-US" altLang="ko-KR">
+              <a:solidFill>
+                <a:schemeClr val="tx1"/>
+              </a:solidFill>
+            </a:endParaRPr>
+          </a:p>
+        </p:txBody>
+      </p:sp>
+      <p:sp>
+        <p:nvSpPr>
+          <p:cNvPr id="9" name="직사각형 8"/>
+          <p:cNvSpPr/>
+          <p:nvPr/>
+        </p:nvSpPr>
+        <p:spPr>
+          <a:xfrm>
+            <a:off x="2532008" y="6127749"/>
+            <a:ext cx="348227" cy="327742"/>
+          </a:xfrm>
+          <a:prstGeom prst="rect">
+            <a:avLst/>
+          </a:prstGeom>
+          <a:noFill/>
+          <a:ln>
+            <a:solidFill>
+              <a:schemeClr val="dk1"/>
+            </a:solidFill>
+          </a:ln>
+        </p:spPr>
+        <p:style>
+          <a:lnRef idx="2">
+            <a:schemeClr val="accent1">
+              <a:shade val="20000"/>
+            </a:schemeClr>
+          </a:lnRef>
+          <a:fillRef idx="1">
+            <a:schemeClr val="accent1"/>
+          </a:fillRef>
+          <a:effectRef idx="0">
+            <a:schemeClr val="accent1"/>
+          </a:effectRef>
+          <a:fontRef idx="minor">
+            <a:schemeClr val="lt1"/>
+          </a:fontRef>
+        </p:style>
+        <p:txBody>
+          <a:bodyPr anchor="ctr"/>
+          <a:lstStyle/>
+          <a:p>
+            <a:pPr lvl="0" algn="ctr">
+              <a:defRPr/>
+            </a:pPr>
+            <a:r>
+              <a:rPr lang="en-US" altLang="ko-KR">
+                <a:solidFill>
+                  <a:schemeClr val="tx1"/>
+                </a:solidFill>
+              </a:rPr>
+              <a:t>5</a:t>
+            </a:r>
+            <a:endParaRPr lang="en-US" altLang="ko-KR">
+              <a:solidFill>
+                <a:schemeClr val="tx1"/>
+              </a:solidFill>
+            </a:endParaRPr>
+          </a:p>
+        </p:txBody>
+      </p:sp>
+      <p:sp>
+        <p:nvSpPr>
+          <p:cNvPr id="10" name="직사각형 9"/>
+          <p:cNvSpPr/>
+          <p:nvPr/>
+        </p:nvSpPr>
+        <p:spPr>
+          <a:xfrm>
+            <a:off x="3018500" y="6127749"/>
+            <a:ext cx="348227" cy="327742"/>
+          </a:xfrm>
+          <a:prstGeom prst="rect">
+            <a:avLst/>
+          </a:prstGeom>
+          <a:noFill/>
+          <a:ln>
+            <a:solidFill>
+              <a:schemeClr val="dk1"/>
+            </a:solidFill>
+          </a:ln>
+        </p:spPr>
+        <p:style>
+          <a:lnRef idx="2">
+            <a:schemeClr val="accent1">
+              <a:shade val="20000"/>
+            </a:schemeClr>
+          </a:lnRef>
+          <a:fillRef idx="1">
+            <a:schemeClr val="accent1"/>
+          </a:fillRef>
+          <a:effectRef idx="0">
+            <a:schemeClr val="accent1"/>
+          </a:effectRef>
+          <a:fontRef idx="minor">
+            <a:schemeClr val="lt1"/>
+          </a:fontRef>
+        </p:style>
+        <p:txBody>
+          <a:bodyPr anchor="ctr"/>
+          <a:lstStyle/>
+          <a:p>
+            <a:pPr lvl="0" algn="ctr">
+              <a:defRPr/>
+            </a:pPr>
+            <a:r>
+              <a:rPr lang="en-US" altLang="ko-KR">
+                <a:solidFill>
+                  <a:schemeClr val="tx1"/>
+                </a:solidFill>
+              </a:rPr>
+              <a:t>6</a:t>
+            </a:r>
+            <a:endParaRPr lang="en-US" altLang="ko-KR">
+              <a:solidFill>
+                <a:schemeClr val="tx1"/>
+              </a:solidFill>
+            </a:endParaRPr>
+          </a:p>
+        </p:txBody>
+      </p:sp>
+      <p:sp>
+        <p:nvSpPr>
+          <p:cNvPr id="11" name="직사각형 10"/>
+          <p:cNvSpPr/>
+          <p:nvPr/>
+        </p:nvSpPr>
+        <p:spPr>
+          <a:xfrm>
+            <a:off x="3504992" y="6127749"/>
+            <a:ext cx="348227" cy="327742"/>
+          </a:xfrm>
+          <a:prstGeom prst="rect">
+            <a:avLst/>
+          </a:prstGeom>
+          <a:noFill/>
+          <a:ln>
+            <a:solidFill>
+              <a:schemeClr val="dk1"/>
+            </a:solidFill>
+          </a:ln>
+        </p:spPr>
+        <p:style>
+          <a:lnRef idx="2">
+            <a:schemeClr val="accent1">
+              <a:shade val="20000"/>
+            </a:schemeClr>
+          </a:lnRef>
+          <a:fillRef idx="1">
+            <a:schemeClr val="accent1"/>
+          </a:fillRef>
+          <a:effectRef idx="0">
+            <a:schemeClr val="accent1"/>
+          </a:effectRef>
+          <a:fontRef idx="minor">
+            <a:schemeClr val="lt1"/>
+          </a:fontRef>
+        </p:style>
+        <p:txBody>
+          <a:bodyPr anchor="ctr"/>
+          <a:lstStyle/>
+          <a:p>
+            <a:pPr lvl="0" algn="ctr">
+              <a:defRPr/>
+            </a:pPr>
+            <a:r>
+              <a:rPr lang="en-US" altLang="ko-KR">
+                <a:solidFill>
+                  <a:schemeClr val="tx1"/>
+                </a:solidFill>
+              </a:rPr>
+              <a:t>7</a:t>
+            </a:r>
+            <a:endParaRPr lang="en-US" altLang="ko-KR">
+              <a:solidFill>
+                <a:schemeClr val="tx1"/>
+              </a:solidFill>
+            </a:endParaRPr>
+          </a:p>
+        </p:txBody>
+      </p:sp>
+      <p:sp>
+        <p:nvSpPr>
+          <p:cNvPr id="12" name="직사각형 11"/>
+          <p:cNvSpPr/>
+          <p:nvPr/>
+        </p:nvSpPr>
+        <p:spPr>
+          <a:xfrm>
+            <a:off x="3991484" y="6127749"/>
+            <a:ext cx="348227" cy="327742"/>
+          </a:xfrm>
+          <a:prstGeom prst="rect">
+            <a:avLst/>
+          </a:prstGeom>
+          <a:noFill/>
+          <a:ln>
+            <a:solidFill>
+              <a:schemeClr val="dk1"/>
+            </a:solidFill>
+          </a:ln>
+        </p:spPr>
+        <p:style>
+          <a:lnRef idx="2">
+            <a:schemeClr val="accent1">
+              <a:shade val="20000"/>
+            </a:schemeClr>
+          </a:lnRef>
+          <a:fillRef idx="1">
+            <a:schemeClr val="accent1"/>
+          </a:fillRef>
+          <a:effectRef idx="0">
+            <a:schemeClr val="accent1"/>
+          </a:effectRef>
+          <a:fontRef idx="minor">
+            <a:schemeClr val="lt1"/>
+          </a:fontRef>
+        </p:style>
+        <p:txBody>
+          <a:bodyPr anchor="ctr"/>
+          <a:lstStyle/>
+          <a:p>
+            <a:pPr lvl="0" algn="ctr">
+              <a:defRPr/>
+            </a:pPr>
+            <a:r>
+              <a:rPr lang="en-US" altLang="ko-KR">
+                <a:solidFill>
+                  <a:schemeClr val="tx1"/>
+                </a:solidFill>
+              </a:rPr>
+              <a:t>8</a:t>
+            </a:r>
+            <a:endParaRPr lang="en-US" altLang="ko-KR">
+              <a:solidFill>
+                <a:schemeClr val="tx1"/>
+              </a:solidFill>
+            </a:endParaRPr>
+          </a:p>
+        </p:txBody>
+      </p:sp>
+      <p:sp>
+        <p:nvSpPr>
+          <p:cNvPr id="13" name="직사각형 12"/>
+          <p:cNvSpPr/>
+          <p:nvPr/>
+        </p:nvSpPr>
+        <p:spPr>
+          <a:xfrm>
+            <a:off x="2082799" y="4786056"/>
+            <a:ext cx="2256913" cy="1167581"/>
+          </a:xfrm>
+          <a:prstGeom prst="rect">
+            <a:avLst/>
+          </a:prstGeom>
+          <a:noFill/>
+          <a:ln>
+            <a:solidFill>
+              <a:schemeClr val="dk1"/>
+            </a:solidFill>
+          </a:ln>
+        </p:spPr>
+        <p:style>
+          <a:lnRef idx="2">
+            <a:schemeClr val="accent1">
+              <a:shade val="20000"/>
+            </a:schemeClr>
+          </a:lnRef>
+          <a:fillRef idx="1">
+            <a:schemeClr val="accent1"/>
+          </a:fillRef>
+          <a:effectRef idx="0">
+            <a:schemeClr val="accent1"/>
+          </a:effectRef>
+          <a:fontRef idx="minor">
+            <a:schemeClr val="lt1"/>
+          </a:fontRef>
+        </p:style>
+        <p:txBody>
+          <a:bodyPr anchor="ctr"/>
+          <a:lstStyle/>
+          <a:p>
+            <a:pPr lvl="0" algn="ctr">
+              <a:defRPr/>
+            </a:pPr>
+            <a:r>
+              <a:rPr lang="ko-KR" altLang="en-US">
+                <a:solidFill>
+                  <a:schemeClr val="tx1"/>
+                </a:solidFill>
+              </a:rPr>
+              <a:t>장착한 무기 </a:t>
+            </a:r>
+            <a:r>
+              <a:rPr lang="en-US" altLang="ko-KR">
+                <a:solidFill>
+                  <a:schemeClr val="tx1"/>
+                </a:solidFill>
+              </a:rPr>
+              <a:t>UI</a:t>
+            </a:r>
+            <a:endParaRPr lang="en-US" altLang="ko-KR">
+              <a:solidFill>
+                <a:schemeClr val="tx1"/>
+              </a:solidFill>
+            </a:endParaRPr>
+          </a:p>
+        </p:txBody>
+      </p:sp>
+      <p:sp>
+        <p:nvSpPr>
+          <p:cNvPr id="14" name="직사각형 13"/>
+          <p:cNvSpPr/>
+          <p:nvPr/>
+        </p:nvSpPr>
+        <p:spPr>
+          <a:xfrm>
+            <a:off x="299064" y="791701"/>
+            <a:ext cx="11491451" cy="5817420"/>
+          </a:xfrm>
+          <a:prstGeom prst="rect">
+            <a:avLst/>
+          </a:prstGeom>
+          <a:noFill/>
+          <a:ln>
+            <a:solidFill>
+              <a:schemeClr val="dk1"/>
+            </a:solidFill>
+          </a:ln>
+        </p:spPr>
+        <p:style>
+          <a:lnRef idx="2">
+            <a:schemeClr val="accent1">
+              <a:shade val="20000"/>
+            </a:schemeClr>
+          </a:lnRef>
+          <a:fillRef idx="1">
+            <a:schemeClr val="accent1"/>
+          </a:fillRef>
+          <a:effectRef idx="0">
+            <a:schemeClr val="accent1"/>
+          </a:effectRef>
+          <a:fontRef idx="minor">
+            <a:schemeClr val="lt1"/>
+          </a:fontRef>
+        </p:style>
+        <p:txBody>
+          <a:bodyPr anchor="ctr"/>
+          <a:lstStyle/>
+          <a:p>
+            <a:pPr lvl="0" algn="ctr">
+              <a:defRPr/>
+            </a:pPr>
+            <a:endParaRPr lang="ko-KR" altLang="en-US">
+              <a:solidFill>
+                <a:schemeClr val="tx1"/>
+              </a:solidFill>
+            </a:endParaRPr>
+          </a:p>
+        </p:txBody>
+      </p:sp>
+      <p:sp>
+        <p:nvSpPr>
+          <p:cNvPr id="15" name="직사각형 14"/>
+          <p:cNvSpPr/>
+          <p:nvPr/>
+        </p:nvSpPr>
+        <p:spPr>
+          <a:xfrm>
+            <a:off x="7724467" y="4786056"/>
+            <a:ext cx="3871452" cy="1669435"/>
+          </a:xfrm>
+          <a:prstGeom prst="rect">
+            <a:avLst/>
+          </a:prstGeom>
+          <a:noFill/>
+          <a:ln>
+            <a:solidFill>
+              <a:schemeClr val="dk1"/>
+            </a:solidFill>
+          </a:ln>
+        </p:spPr>
+        <p:style>
+          <a:lnRef idx="2">
+            <a:schemeClr val="accent1">
+              <a:shade val="20000"/>
+            </a:schemeClr>
+          </a:lnRef>
+          <a:fillRef idx="1">
+            <a:schemeClr val="accent1"/>
+          </a:fillRef>
+          <a:effectRef idx="0">
+            <a:schemeClr val="accent1"/>
+          </a:effectRef>
+          <a:fontRef idx="minor">
+            <a:schemeClr val="lt1"/>
+          </a:fontRef>
+        </p:style>
+        <p:txBody>
+          <a:bodyPr anchor="ctr"/>
+          <a:p>
+            <a:pPr lvl="0" algn="ctr">
+              <a:defRPr/>
+            </a:pPr>
+            <a:r>
+              <a:rPr lang="ko-KR" altLang="en-US">
+                <a:solidFill>
+                  <a:schemeClr val="tx1"/>
+                </a:solidFill>
+              </a:rPr>
+              <a:t>채팅창</a:t>
+            </a:r>
+            <a:endParaRPr lang="ko-KR" altLang="en-US">
+              <a:solidFill>
+                <a:schemeClr val="tx1"/>
+              </a:solidFill>
+            </a:endParaRPr>
+          </a:p>
+        </p:txBody>
+      </p:sp>
+      <p:sp>
+        <p:nvSpPr>
+          <p:cNvPr id="16" name="직사각형 15"/>
+          <p:cNvSpPr/>
+          <p:nvPr/>
+        </p:nvSpPr>
+        <p:spPr>
+          <a:xfrm>
+            <a:off x="9424631" y="1375491"/>
+            <a:ext cx="2171289" cy="1638709"/>
+          </a:xfrm>
+          <a:prstGeom prst="rect">
+            <a:avLst/>
+          </a:prstGeom>
+          <a:noFill/>
+          <a:ln>
+            <a:solidFill>
+              <a:schemeClr val="dk1"/>
+            </a:solidFill>
+          </a:ln>
+        </p:spPr>
+        <p:style>
+          <a:lnRef idx="2">
+            <a:schemeClr val="accent1">
+              <a:shade val="20000"/>
+            </a:schemeClr>
+          </a:lnRef>
+          <a:fillRef idx="1">
+            <a:schemeClr val="accent1"/>
+          </a:fillRef>
+          <a:effectRef idx="0">
+            <a:schemeClr val="accent1"/>
+          </a:effectRef>
+          <a:fontRef idx="minor">
+            <a:schemeClr val="lt1"/>
+          </a:fontRef>
+        </p:style>
+        <p:txBody>
+          <a:bodyPr anchor="ctr"/>
+          <a:p>
+            <a:pPr lvl="0" algn="ctr">
+              <a:defRPr/>
+            </a:pPr>
+            <a:r>
+              <a:rPr lang="ko-KR" altLang="en-US">
+                <a:solidFill>
+                  <a:schemeClr val="tx1"/>
+                </a:solidFill>
+              </a:rPr>
+              <a:t>미니맵</a:t>
+            </a:r>
+            <a:endParaRPr lang="ko-KR" altLang="en-US">
+              <a:solidFill>
+                <a:schemeClr val="tx1"/>
+              </a:solidFill>
+            </a:endParaRPr>
+          </a:p>
+        </p:txBody>
+      </p:sp>
+      <p:sp>
+        <p:nvSpPr>
+          <p:cNvPr id="17" name="직사각형 16"/>
+          <p:cNvSpPr/>
+          <p:nvPr/>
+        </p:nvSpPr>
+        <p:spPr>
+          <a:xfrm>
+            <a:off x="9424631" y="904362"/>
+            <a:ext cx="2171289" cy="358467"/>
+          </a:xfrm>
+          <a:prstGeom prst="rect">
+            <a:avLst/>
+          </a:prstGeom>
+          <a:noFill/>
+          <a:ln>
+            <a:solidFill>
+              <a:schemeClr val="dk1"/>
+            </a:solidFill>
+          </a:ln>
+        </p:spPr>
+        <p:style>
+          <a:lnRef idx="2">
+            <a:schemeClr val="accent1">
+              <a:shade val="20000"/>
+            </a:schemeClr>
+          </a:lnRef>
+          <a:fillRef idx="1">
+            <a:schemeClr val="accent1"/>
+          </a:fillRef>
+          <a:effectRef idx="0">
+            <a:schemeClr val="accent1"/>
+          </a:effectRef>
+          <a:fontRef idx="minor">
+            <a:schemeClr val="lt1"/>
+          </a:fontRef>
+        </p:style>
+        <p:txBody>
+          <a:bodyPr anchor="ctr"/>
+          <a:p>
+            <a:pPr lvl="0" algn="ctr">
+              <a:defRPr/>
+            </a:pPr>
+            <a:r>
+              <a:rPr lang="ko-KR" altLang="en-US">
+                <a:solidFill>
+                  <a:schemeClr val="tx1"/>
+                </a:solidFill>
+              </a:rPr>
+              <a:t>현실 시간 표시</a:t>
+            </a:r>
+            <a:endParaRPr lang="ko-KR" altLang="en-US">
+              <a:solidFill>
+                <a:schemeClr val="tx1"/>
+              </a:solidFill>
+            </a:endParaRPr>
           </a:p>
         </p:txBody>
       </p:sp>
@@ -13239,170 +14221,6 @@
     <p:extLst>
       <p:ext uri="{BB962C8B-B14F-4D97-AF65-F5344CB8AC3E}">
         <p14:creationId xmlns:p14="http://schemas.microsoft.com/office/powerpoint/2010/main" val="846028644"/>
-      </p:ext>
-    </p:extLst>
-  </p:cSld>
-  <p:clrMapOvr>
-    <a:masterClrMapping/>
-  </p:clrMapOvr>
-</p:sld>
-</file>
-
-<file path=ppt/slides/slide18.xml><?xml version="1.0" encoding="utf-8"?>
-<p:sld xmlns:r="http://schemas.openxmlformats.org/officeDocument/2006/relationships" xmlns:c="http://schemas.openxmlformats.org/drawingml/2006/chart" xmlns:a="http://schemas.openxmlformats.org/drawingml/2006/main" xmlns:dgm="http://schemas.openxmlformats.org/drawingml/2006/diagram" xmlns:dsp="http://schemas.microsoft.com/office/drawing/2008/diagram" xmlns:p="http://schemas.openxmlformats.org/presentationml/2006/main">
-  <p:cSld>
-    <p:spTree>
-      <p:nvGrpSpPr>
-        <p:cNvPr id="1" name=""/>
-        <p:cNvGrpSpPr/>
-        <p:nvPr/>
-      </p:nvGrpSpPr>
-      <p:grpSpPr>
-        <a:xfrm>
-          <a:off x="0" y="0"/>
-          <a:ext cx="0" cy="0"/>
-          <a:chOff x="0" y="0"/>
-          <a:chExt cx="0" cy="0"/>
-        </a:xfrm>
-      </p:grpSpPr>
-      <p:sp>
-        <p:nvSpPr>
-          <p:cNvPr id="2" name="제목 1"/>
-          <p:cNvSpPr>
-            <a:spLocks noGrp="1"/>
-          </p:cNvSpPr>
-          <p:nvPr>
-            <p:ph type="title" idx="0"/>
-          </p:nvPr>
-        </p:nvSpPr>
-        <p:spPr/>
-        <p:txBody>
-          <a:bodyPr>
-            <a:normAutofit fontScale="90000"/>
-          </a:bodyPr>
-          <a:p>
-            <a:pPr lvl="0">
-              <a:defRPr/>
-            </a:pPr>
-            <a:r>
-              <a:rPr lang="ko-KR" altLang="en-US"/>
-              <a:t/>
-            </a:r>
-            <a:endParaRPr lang="ko-KR" altLang="en-US"/>
-          </a:p>
-        </p:txBody>
-      </p:sp>
-      <p:sp>
-        <p:nvSpPr>
-          <p:cNvPr id="3" name="내용 개체 틀 2"/>
-          <p:cNvSpPr>
-            <a:spLocks noGrp="1"/>
-          </p:cNvSpPr>
-          <p:nvPr>
-            <p:ph idx="1"/>
-          </p:nvPr>
-        </p:nvSpPr>
-        <p:spPr/>
-        <p:txBody>
-          <a:bodyPr/>
-          <a:p>
-            <a:pPr lvl="0">
-              <a:defRPr/>
-            </a:pPr>
-            <a:r>
-              <a:rPr lang="ko-KR" altLang="en-US"/>
-              <a:t/>
-            </a:r>
-            <a:endParaRPr lang="ko-KR" altLang="en-US"/>
-          </a:p>
-        </p:txBody>
-      </p:sp>
-    </p:spTree>
-    <p:extLst>
-      <p:ext uri="{BB962C8B-B14F-4D97-AF65-F5344CB8AC3E}">
-        <p14:creationId xmlns:p14="http://schemas.microsoft.com/office/powerpoint/2010/main" val="1082487082"/>
-      </p:ext>
-    </p:extLst>
-  </p:cSld>
-  <p:clrMapOvr>
-    <a:masterClrMapping/>
-  </p:clrMapOvr>
-</p:sld>
-</file>
-
-<file path=ppt/slides/slide19.xml><?xml version="1.0" encoding="utf-8"?>
-<p:sld xmlns:r="http://schemas.openxmlformats.org/officeDocument/2006/relationships" xmlns:c="http://schemas.openxmlformats.org/drawingml/2006/chart" xmlns:a="http://schemas.openxmlformats.org/drawingml/2006/main" xmlns:dgm="http://schemas.openxmlformats.org/drawingml/2006/diagram" xmlns:dsp="http://schemas.microsoft.com/office/drawing/2008/diagram" xmlns:p="http://schemas.openxmlformats.org/presentationml/2006/main">
-  <p:cSld>
-    <p:spTree>
-      <p:nvGrpSpPr>
-        <p:cNvPr id="1" name=""/>
-        <p:cNvGrpSpPr/>
-        <p:nvPr/>
-      </p:nvGrpSpPr>
-      <p:grpSpPr>
-        <a:xfrm>
-          <a:off x="0" y="0"/>
-          <a:ext cx="0" cy="0"/>
-          <a:chOff x="0" y="0"/>
-          <a:chExt cx="0" cy="0"/>
-        </a:xfrm>
-      </p:grpSpPr>
-      <p:sp>
-        <p:nvSpPr>
-          <p:cNvPr id="2" name="제목 1"/>
-          <p:cNvSpPr>
-            <a:spLocks noGrp="1"/>
-          </p:cNvSpPr>
-          <p:nvPr>
-            <p:ph type="title" idx="0"/>
-          </p:nvPr>
-        </p:nvSpPr>
-        <p:spPr/>
-        <p:txBody>
-          <a:bodyPr>
-            <a:normAutofit fontScale="90000"/>
-          </a:bodyPr>
-          <a:p>
-            <a:pPr lvl="0">
-              <a:defRPr/>
-            </a:pPr>
-            <a:r>
-              <a:rPr lang="ko-KR" altLang="en-US"/>
-              <a:t/>
-            </a:r>
-            <a:endParaRPr lang="ko-KR" altLang="en-US"/>
-          </a:p>
-        </p:txBody>
-      </p:sp>
-      <p:sp>
-        <p:nvSpPr>
-          <p:cNvPr id="3" name="내용 개체 틀 2"/>
-          <p:cNvSpPr>
-            <a:spLocks noGrp="1"/>
-          </p:cNvSpPr>
-          <p:nvPr>
-            <p:ph idx="1"/>
-          </p:nvPr>
-        </p:nvSpPr>
-        <p:spPr/>
-        <p:txBody>
-          <a:bodyPr/>
-          <a:p>
-            <a:pPr lvl="0">
-              <a:defRPr/>
-            </a:pPr>
-            <a:r>
-              <a:rPr lang="ko-KR" altLang="en-US"/>
-              <a:t/>
-            </a:r>
-            <a:endParaRPr lang="ko-KR" altLang="en-US"/>
-          </a:p>
-        </p:txBody>
-      </p:sp>
-    </p:spTree>
-    <p:extLst>
-      <p:ext uri="{BB962C8B-B14F-4D97-AF65-F5344CB8AC3E}">
-        <p14:creationId xmlns:p14="http://schemas.microsoft.com/office/powerpoint/2010/main" val="1958819013"/>
       </p:ext>
     </p:extLst>
   </p:cSld>
@@ -13545,127 +14363,13 @@
       </p:sp>
       <p:sp>
         <p:nvSpPr>
-          <p:cNvPr id="8" name="타원 7"/>
+          <p:cNvPr id="17" name="이등변 삼각형 16"/>
           <p:cNvSpPr/>
           <p:nvPr/>
         </p:nvSpPr>
         <p:spPr>
           <a:xfrm>
-            <a:off x="913580" y="2957871"/>
-            <a:ext cx="1305846" cy="1280241"/>
-          </a:xfrm>
-          <a:prstGeom prst="ellipse">
-            <a:avLst/>
-          </a:prstGeom>
-          <a:noFill/>
-          <a:ln>
-            <a:solidFill>
-              <a:schemeClr val="dk1"/>
-            </a:solidFill>
-          </a:ln>
-        </p:spPr>
-        <p:style>
-          <a:lnRef idx="2">
-            <a:schemeClr val="accent1">
-              <a:shade val="20000"/>
-            </a:schemeClr>
-          </a:lnRef>
-          <a:fillRef idx="1">
-            <a:schemeClr val="accent1"/>
-          </a:fillRef>
-          <a:effectRef idx="0">
-            <a:schemeClr val="accent1"/>
-          </a:effectRef>
-          <a:fontRef idx="minor">
-            <a:schemeClr val="lt1"/>
-          </a:fontRef>
-        </p:style>
-        <p:txBody>
-          <a:bodyPr anchor="ctr"/>
-          <a:p>
-            <a:pPr lvl="0" algn="ctr">
-              <a:defRPr/>
-            </a:pPr>
-            <a:endParaRPr lang="en-US" altLang="ko-KR"/>
-          </a:p>
-        </p:txBody>
-      </p:sp>
-      <p:cxnSp>
-        <p:nvCxnSpPr>
-          <p:cNvPr id="9" name="화살표 8"/>
-          <p:cNvCxnSpPr/>
-          <p:nvPr/>
-        </p:nvCxnSpPr>
-        <p:spPr>
-          <a:xfrm>
-            <a:off x="2490838" y="3597992"/>
-            <a:ext cx="1095887" cy="0"/>
-          </a:xfrm>
-          <a:prstGeom prst="straightConnector1">
-            <a:avLst/>
-          </a:prstGeom>
-          <a:ln>
-            <a:solidFill>
-              <a:schemeClr val="dk1"/>
-            </a:solidFill>
-            <a:tailEnd type="arrow"/>
-          </a:ln>
-        </p:spPr>
-        <p:style>
-          <a:lnRef idx="1">
-            <a:schemeClr val="accent1"/>
-          </a:lnRef>
-          <a:fillRef idx="0">
-            <a:schemeClr val="accent1"/>
-          </a:fillRef>
-          <a:effectRef idx="0">
-            <a:schemeClr val="accent1"/>
-          </a:effectRef>
-          <a:fontRef idx="minor">
-            <a:schemeClr val="tx1"/>
-          </a:fontRef>
-        </p:style>
-      </p:cxnSp>
-      <p:sp>
-        <p:nvSpPr>
-          <p:cNvPr id="10" name="가로 글상자 9"/>
-          <p:cNvSpPr txBox="1"/>
-          <p:nvPr/>
-        </p:nvSpPr>
-        <p:spPr>
-          <a:xfrm>
-            <a:off x="3904223" y="3251282"/>
-            <a:ext cx="1741130" cy="693420"/>
-          </a:xfrm>
-          <a:prstGeom prst="rect">
-            <a:avLst/>
-          </a:prstGeom>
-        </p:spPr>
-        <p:txBody>
-          <a:bodyPr wrap="square">
-            <a:spAutoFit/>
-          </a:bodyPr>
-          <a:p>
-            <a:pPr lvl="0">
-              <a:defRPr/>
-            </a:pPr>
-            <a:r>
-              <a:rPr lang="ko-KR" altLang="en-US" sz="2000"/>
-              <a:t>객체 생성 및 이동 표시</a:t>
-            </a:r>
-            <a:endParaRPr lang="ko-KR" altLang="en-US" sz="2000"/>
-          </a:p>
-        </p:txBody>
-      </p:sp>
-      <p:sp>
-        <p:nvSpPr>
-          <p:cNvPr id="11" name="이등변 삼각형 10"/>
-          <p:cNvSpPr/>
-          <p:nvPr/>
-        </p:nvSpPr>
-        <p:spPr>
-          <a:xfrm>
-            <a:off x="913580" y="5339120"/>
+            <a:off x="6096000" y="617588"/>
             <a:ext cx="1305846" cy="993468"/>
           </a:xfrm>
           <a:prstGeom prst="triangle">
@@ -13698,6 +14402,7 @@
         </p:style>
         <p:txBody>
           <a:bodyPr anchor="ctr"/>
+          <a:lstStyle/>
           <a:p>
             <a:pPr lvl="0" algn="ctr">
               <a:defRPr/>
@@ -13708,13 +14413,13 @@
       </p:sp>
       <p:cxnSp>
         <p:nvCxnSpPr>
-          <p:cNvPr id="12" name="화살표 11"/>
+          <p:cNvPr id="18" name="화살표 17"/>
           <p:cNvCxnSpPr/>
           <p:nvPr/>
         </p:nvCxnSpPr>
         <p:spPr>
           <a:xfrm>
-            <a:off x="2490838" y="5835854"/>
+            <a:off x="7673258" y="1114322"/>
             <a:ext cx="1095887" cy="0"/>
           </a:xfrm>
           <a:prstGeom prst="straightConnector1">
@@ -13744,13 +14449,13 @@
       </p:cxnSp>
       <p:sp>
         <p:nvSpPr>
-          <p:cNvPr id="13" name="가로 글상자 12"/>
+          <p:cNvPr id="19" name="가로 글상자 18"/>
           <p:cNvSpPr txBox="1"/>
           <p:nvPr/>
         </p:nvSpPr>
         <p:spPr>
           <a:xfrm>
-            <a:off x="3904222" y="5638154"/>
+            <a:off x="9086642" y="916622"/>
             <a:ext cx="1013953" cy="395400"/>
           </a:xfrm>
           <a:prstGeom prst="rect">
@@ -13761,6 +14466,7 @@
           <a:bodyPr wrap="square">
             <a:spAutoFit/>
           </a:bodyPr>
+          <a:lstStyle/>
           <a:p>
             <a:pPr lvl="0">
               <a:defRPr/>
@@ -13779,97 +14485,14 @@
       </p:sp>
       <p:sp>
         <p:nvSpPr>
-          <p:cNvPr id="14" name="순서도: 판단 13"/>
-          <p:cNvSpPr/>
-          <p:nvPr/>
-        </p:nvSpPr>
-        <p:spPr>
-          <a:xfrm>
-            <a:off x="6628579" y="463959"/>
-            <a:ext cx="1433871" cy="1372419"/>
-          </a:xfrm>
-          <a:prstGeom prst="flowChartDecision">
-            <a:avLst/>
-          </a:prstGeom>
-          <a:noFill/>
-          <a:ln>
-            <a:solidFill>
-              <a:schemeClr val="dk1"/>
-            </a:solidFill>
-          </a:ln>
-        </p:spPr>
-        <p:style>
-          <a:lnRef idx="2">
-            <a:schemeClr val="accent1">
-              <a:shade val="20000"/>
-            </a:schemeClr>
-          </a:lnRef>
-          <a:fillRef idx="1">
-            <a:schemeClr val="accent1"/>
-          </a:fillRef>
-          <a:effectRef idx="0">
-            <a:schemeClr val="accent1"/>
-          </a:effectRef>
-          <a:fontRef idx="minor">
-            <a:schemeClr val="lt1"/>
-          </a:fontRef>
-        </p:style>
-        <p:txBody>
-          <a:bodyPr anchor="ctr"/>
-          <a:p>
-            <a:pPr lvl="0" algn="ctr">
-              <a:defRPr/>
-            </a:pPr>
-            <a:endParaRPr lang="en-US" altLang="ko-KR"/>
-          </a:p>
-        </p:txBody>
-      </p:sp>
-      <p:cxnSp>
-        <p:nvCxnSpPr>
-          <p:cNvPr id="15" name="화살표 14"/>
-          <p:cNvCxnSpPr/>
-          <p:nvPr/>
-        </p:nvCxnSpPr>
-        <p:spPr>
-          <a:xfrm>
-            <a:off x="8574548" y="1150169"/>
-            <a:ext cx="1095887" cy="0"/>
-          </a:xfrm>
-          <a:prstGeom prst="straightConnector1">
-            <a:avLst/>
-          </a:prstGeom>
-          <a:ln>
-            <a:solidFill>
-              <a:schemeClr val="dk1"/>
-            </a:solidFill>
-            <a:tailEnd type="arrow"/>
-          </a:ln>
-        </p:spPr>
-        <p:style>
-          <a:lnRef idx="1">
-            <a:schemeClr val="accent1"/>
-          </a:lnRef>
-          <a:fillRef idx="0">
-            <a:schemeClr val="accent1"/>
-          </a:fillRef>
-          <a:effectRef idx="0">
-            <a:schemeClr val="accent1"/>
-          </a:effectRef>
-          <a:fontRef idx="minor">
-            <a:schemeClr val="tx1"/>
-          </a:fontRef>
-        </p:style>
-      </p:cxnSp>
-      <p:sp>
-        <p:nvSpPr>
-          <p:cNvPr id="16" name="가로 글상자 15"/>
+          <p:cNvPr id="20" name="가로 글상자 19"/>
           <p:cNvSpPr txBox="1"/>
           <p:nvPr/>
         </p:nvSpPr>
         <p:spPr>
           <a:xfrm>
-            <a:off x="9987933" y="966664"/>
-            <a:ext cx="1454356" cy="393506"/>
+            <a:off x="5102532" y="4038395"/>
+            <a:ext cx="1986935" cy="366702"/>
           </a:xfrm>
           <a:prstGeom prst="rect">
             <a:avLst/>
@@ -13884,10 +14507,10 @@
               <a:defRPr/>
             </a:pPr>
             <a:r>
-              <a:rPr lang="ko-KR" altLang="en-US" sz="2000"/>
-              <a:t>객체 삭제</a:t>
-            </a:r>
-            <a:endParaRPr lang="ko-KR" altLang="en-US" sz="2000"/>
+              <a:rPr lang="ko-KR" altLang="en-US"/>
+              <a:t>추후 늘어날 수도</a:t>
+            </a:r>
+            <a:endParaRPr lang="ko-KR" altLang="en-US"/>
           </a:p>
         </p:txBody>
       </p:sp>
@@ -13945,6 +14568,274 @@
               <a:t>목          차</a:t>
             </a:r>
             <a:endParaRPr lang="ko-KR" altLang="en-US"/>
+          </a:p>
+        </p:txBody>
+      </p:sp>
+      <p:sp>
+        <p:nvSpPr>
+          <p:cNvPr id="3" name="직사각형 2"/>
+          <p:cNvSpPr/>
+          <p:nvPr/>
+        </p:nvSpPr>
+        <p:spPr>
+          <a:xfrm>
+            <a:off x="1251564" y="986298"/>
+            <a:ext cx="7282016" cy="778387"/>
+          </a:xfrm>
+          <a:prstGeom prst="rect">
+            <a:avLst/>
+          </a:prstGeom>
+          <a:noFill/>
+          <a:ln>
+            <a:noFill/>
+          </a:ln>
+        </p:spPr>
+        <p:style>
+          <a:lnRef idx="2">
+            <a:schemeClr val="accent1">
+              <a:shade val="20000"/>
+            </a:schemeClr>
+          </a:lnRef>
+          <a:fillRef idx="1">
+            <a:schemeClr val="accent1"/>
+          </a:fillRef>
+          <a:effectRef idx="0">
+            <a:schemeClr val="accent1"/>
+          </a:effectRef>
+          <a:fontRef idx="minor">
+            <a:schemeClr val="lt1"/>
+          </a:fontRef>
+        </p:style>
+        <p:txBody>
+          <a:bodyPr anchor="ctr"/>
+          <a:p>
+            <a:pPr lvl="0">
+              <a:defRPr/>
+            </a:pPr>
+            <a:r>
+              <a:rPr lang="en-US" altLang="ko-KR" sz="2200">
+                <a:solidFill>
+                  <a:schemeClr val="tx1"/>
+                </a:solidFill>
+              </a:rPr>
+              <a:t>1.</a:t>
+            </a:r>
+            <a:r>
+              <a:rPr lang="ko-KR" altLang="en-US" sz="2200">
+                <a:solidFill>
+                  <a:schemeClr val="tx1"/>
+                </a:solidFill>
+              </a:rPr>
+              <a:t> 화면 구성</a:t>
+            </a:r>
+            <a:endParaRPr lang="ko-KR" altLang="en-US" sz="2200">
+              <a:solidFill>
+                <a:schemeClr val="tx1"/>
+              </a:solidFill>
+            </a:endParaRPr>
+          </a:p>
+        </p:txBody>
+      </p:sp>
+      <p:sp>
+        <p:nvSpPr>
+          <p:cNvPr id="4" name="직사각형 3"/>
+          <p:cNvSpPr/>
+          <p:nvPr/>
+        </p:nvSpPr>
+        <p:spPr>
+          <a:xfrm>
+            <a:off x="1251564" y="2102669"/>
+            <a:ext cx="7282016" cy="778387"/>
+          </a:xfrm>
+          <a:prstGeom prst="rect">
+            <a:avLst/>
+          </a:prstGeom>
+          <a:noFill/>
+          <a:ln>
+            <a:noFill/>
+          </a:ln>
+        </p:spPr>
+        <p:style>
+          <a:lnRef idx="2">
+            <a:schemeClr val="accent1">
+              <a:shade val="20000"/>
+            </a:schemeClr>
+          </a:lnRef>
+          <a:fillRef idx="1">
+            <a:schemeClr val="accent1"/>
+          </a:fillRef>
+          <a:effectRef idx="0">
+            <a:schemeClr val="accent1"/>
+          </a:effectRef>
+          <a:fontRef idx="minor">
+            <a:schemeClr val="lt1"/>
+          </a:fontRef>
+        </p:style>
+        <p:txBody>
+          <a:bodyPr anchor="ctr"/>
+          <a:p>
+            <a:pPr lvl="0">
+              <a:defRPr/>
+            </a:pPr>
+            <a:r>
+              <a:rPr lang="en-US" altLang="ko-KR" sz="2200">
+                <a:solidFill>
+                  <a:schemeClr val="tx1"/>
+                </a:solidFill>
+              </a:rPr>
+              <a:t>2.</a:t>
+            </a:r>
+            <a:r>
+              <a:rPr lang="ko-KR" altLang="en-US" sz="2200">
+                <a:solidFill>
+                  <a:schemeClr val="tx1"/>
+                </a:solidFill>
+              </a:rPr>
+              <a:t> 메인화면 </a:t>
+            </a:r>
+            <a:r>
+              <a:rPr lang="en-US" altLang="ko-KR" sz="2200">
+                <a:solidFill>
+                  <a:schemeClr val="tx1"/>
+                </a:solidFill>
+              </a:rPr>
+              <a:t>UI</a:t>
+            </a:r>
+            <a:endParaRPr lang="en-US" altLang="ko-KR" sz="2200">
+              <a:solidFill>
+                <a:schemeClr val="tx1"/>
+              </a:solidFill>
+            </a:endParaRPr>
+          </a:p>
+        </p:txBody>
+      </p:sp>
+      <p:sp>
+        <p:nvSpPr>
+          <p:cNvPr id="5" name="직사각형 4"/>
+          <p:cNvSpPr/>
+          <p:nvPr/>
+        </p:nvSpPr>
+        <p:spPr>
+          <a:xfrm>
+            <a:off x="1251564" y="3219040"/>
+            <a:ext cx="7282016" cy="778387"/>
+          </a:xfrm>
+          <a:prstGeom prst="rect">
+            <a:avLst/>
+          </a:prstGeom>
+          <a:noFill/>
+          <a:ln>
+            <a:noFill/>
+          </a:ln>
+        </p:spPr>
+        <p:style>
+          <a:lnRef idx="2">
+            <a:schemeClr val="accent1">
+              <a:shade val="20000"/>
+            </a:schemeClr>
+          </a:lnRef>
+          <a:fillRef idx="1">
+            <a:schemeClr val="accent1"/>
+          </a:fillRef>
+          <a:effectRef idx="0">
+            <a:schemeClr val="accent1"/>
+          </a:effectRef>
+          <a:fontRef idx="minor">
+            <a:schemeClr val="lt1"/>
+          </a:fontRef>
+        </p:style>
+        <p:txBody>
+          <a:bodyPr anchor="ctr"/>
+          <a:p>
+            <a:pPr lvl="0">
+              <a:defRPr/>
+            </a:pPr>
+            <a:r>
+              <a:rPr lang="en-US" altLang="ko-KR" sz="2200">
+                <a:solidFill>
+                  <a:schemeClr val="tx1"/>
+                </a:solidFill>
+              </a:rPr>
+              <a:t>3.</a:t>
+            </a:r>
+            <a:r>
+              <a:rPr lang="ko-KR" altLang="en-US" sz="2200">
+                <a:solidFill>
+                  <a:schemeClr val="tx1"/>
+                </a:solidFill>
+              </a:rPr>
+              <a:t> 게임 화면 </a:t>
+            </a:r>
+            <a:r>
+              <a:rPr lang="en-US" altLang="ko-KR" sz="2200">
+                <a:solidFill>
+                  <a:schemeClr val="tx1"/>
+                </a:solidFill>
+              </a:rPr>
+              <a:t>UI</a:t>
+            </a:r>
+            <a:endParaRPr lang="en-US" altLang="ko-KR" sz="2200">
+              <a:solidFill>
+                <a:schemeClr val="tx1"/>
+              </a:solidFill>
+            </a:endParaRPr>
+          </a:p>
+        </p:txBody>
+      </p:sp>
+      <p:sp>
+        <p:nvSpPr>
+          <p:cNvPr id="6" name="직사각형 5"/>
+          <p:cNvSpPr/>
+          <p:nvPr/>
+        </p:nvSpPr>
+        <p:spPr>
+          <a:xfrm>
+            <a:off x="1251564" y="4335411"/>
+            <a:ext cx="7282016" cy="778387"/>
+          </a:xfrm>
+          <a:prstGeom prst="rect">
+            <a:avLst/>
+          </a:prstGeom>
+          <a:noFill/>
+          <a:ln>
+            <a:noFill/>
+          </a:ln>
+        </p:spPr>
+        <p:style>
+          <a:lnRef idx="2">
+            <a:schemeClr val="accent1">
+              <a:shade val="20000"/>
+            </a:schemeClr>
+          </a:lnRef>
+          <a:fillRef idx="1">
+            <a:schemeClr val="accent1"/>
+          </a:fillRef>
+          <a:effectRef idx="0">
+            <a:schemeClr val="accent1"/>
+          </a:effectRef>
+          <a:fontRef idx="minor">
+            <a:schemeClr val="lt1"/>
+          </a:fontRef>
+        </p:style>
+        <p:txBody>
+          <a:bodyPr anchor="ctr"/>
+          <a:p>
+            <a:pPr lvl="0">
+              <a:defRPr/>
+            </a:pPr>
+            <a:r>
+              <a:rPr lang="en-US" altLang="ko-KR" sz="2200">
+                <a:solidFill>
+                  <a:schemeClr val="tx1"/>
+                </a:solidFill>
+              </a:rPr>
+              <a:t>4. </a:t>
+            </a:r>
+            <a:endParaRPr lang="en-US" altLang="ko-KR" sz="2200">
+              <a:solidFill>
+                <a:schemeClr val="tx1"/>
+              </a:solidFill>
+            </a:endParaRPr>
           </a:p>
         </p:txBody>
       </p:sp>
@@ -17052,6 +17943,76 @@
           </p:txBody>
         </p:sp>
       </p:grpSp>
+      <p:cxnSp>
+        <p:nvCxnSpPr>
+          <p:cNvPr id="25" name="선 24"/>
+          <p:cNvCxnSpPr/>
+          <p:nvPr/>
+        </p:nvCxnSpPr>
+        <p:spPr>
+          <a:xfrm flipV="1">
+            <a:off x="6625501" y="3429000"/>
+            <a:ext cx="3976950" cy="1047570"/>
+          </a:xfrm>
+          <a:prstGeom prst="line">
+            <a:avLst/>
+          </a:prstGeom>
+          <a:ln>
+            <a:solidFill>
+              <a:srgbClr val="ff0000"/>
+            </a:solidFill>
+          </a:ln>
+        </p:spPr>
+        <p:style>
+          <a:lnRef idx="1">
+            <a:schemeClr val="accent1"/>
+          </a:lnRef>
+          <a:fillRef idx="0">
+            <a:schemeClr val="accent1"/>
+          </a:fillRef>
+          <a:effectRef idx="0">
+            <a:schemeClr val="accent1"/>
+          </a:effectRef>
+          <a:fontRef idx="minor">
+            <a:schemeClr val="tx1"/>
+          </a:fontRef>
+        </p:style>
+      </p:cxnSp>
+      <p:cxnSp>
+        <p:nvCxnSpPr>
+          <p:cNvPr id="26" name="선 25"/>
+          <p:cNvCxnSpPr/>
+          <p:nvPr/>
+        </p:nvCxnSpPr>
+        <p:spPr>
+          <a:xfrm>
+            <a:off x="6641951" y="3429000"/>
+            <a:ext cx="3960500" cy="1047570"/>
+          </a:xfrm>
+          <a:prstGeom prst="line">
+            <a:avLst/>
+          </a:prstGeom>
+          <a:ln>
+            <a:solidFill>
+              <a:srgbClr val="ff0000"/>
+            </a:solidFill>
+          </a:ln>
+        </p:spPr>
+        <p:style>
+          <a:lnRef idx="1">
+            <a:schemeClr val="accent1"/>
+          </a:lnRef>
+          <a:fillRef idx="0">
+            <a:schemeClr val="accent1"/>
+          </a:fillRef>
+          <a:effectRef idx="0">
+            <a:schemeClr val="accent1"/>
+          </a:effectRef>
+          <a:fontRef idx="minor">
+            <a:schemeClr val="tx1"/>
+          </a:fontRef>
+        </p:style>
+      </p:cxnSp>
     </p:spTree>
     <p:extLst>
       <p:ext uri="{BB962C8B-B14F-4D97-AF65-F5344CB8AC3E}">
